--- a/fall13/slidesF13/stationary-distribution.pptx
+++ b/fall13/slidesF13/stationary-distribution.pptx
@@ -2310,7 +2310,7 @@
             </a:pPr>
             <a:r>
               <a:rPr lang="en-US" dirty="0" smtClean="0"/>
-              <a:t>random-walk.</a:t>
+              <a:t>stationary.</a:t>
             </a:r>
             <a:fld id="{52DC2636-7C60-9B40-89EE-9F4C3E34F60C}" type="slidenum">
               <a:rPr lang="en-US" smtClean="0"/>
@@ -2506,7 +2506,7 @@
             </a:pPr>
             <a:r>
               <a:rPr lang="en-US" dirty="0" smtClean="0"/>
-              <a:t>random-walk.</a:t>
+              <a:t>stationary.</a:t>
             </a:r>
             <a:fld id="{E877D3CB-F960-BD47-98A7-06971C504846}" type="slidenum">
               <a:rPr lang="en-US" smtClean="0"/>
@@ -2724,7 +2724,7 @@
             </a:pPr>
             <a:r>
               <a:rPr lang="en-US" dirty="0" smtClean="0"/>
-              <a:t>random-walk.</a:t>
+              <a:t>stationary.</a:t>
             </a:r>
             <a:fld id="{7F643A20-AA31-5341-AD6A-0A2807DB3AE7}" type="slidenum">
               <a:rPr lang="en-US" smtClean="0"/>
@@ -2868,7 +2868,7 @@
             </a:pPr>
             <a:r>
               <a:rPr lang="en-US" dirty="0" smtClean="0"/>
-              <a:t>random-walk.</a:t>
+              <a:t>stationary.</a:t>
             </a:r>
             <a:fld id="{33406DE3-95F7-424A-AC10-91858B7908A3}" type="slidenum">
               <a:rPr lang="en-US" smtClean="0"/>
@@ -2989,7 +2989,7 @@
             </a:pPr>
             <a:r>
               <a:rPr lang="en-US" dirty="0" smtClean="0"/>
-              <a:t>random-walk.</a:t>
+              <a:t>stationary.</a:t>
             </a:r>
             <a:fld id="{C316881D-9589-DF4F-A336-A08976BD8D3F}" type="slidenum">
               <a:rPr lang="en-US" smtClean="0"/>
@@ -3269,7 +3269,7 @@
             </a:pPr>
             <a:r>
               <a:rPr lang="en-US" dirty="0" smtClean="0"/>
-              <a:t>random-walk.</a:t>
+              <a:t>stationary.</a:t>
             </a:r>
             <a:fld id="{A8E63D04-532A-9B48-95DF-D3C7BF4C2159}" type="slidenum">
               <a:rPr lang="en-US" smtClean="0"/>
@@ -3585,7 +3585,7 @@
             </a:pPr>
             <a:r>
               <a:rPr lang="en-US" dirty="0" smtClean="0"/>
-              <a:t>random-walk.</a:t>
+              <a:t>stationary.</a:t>
             </a:r>
             <a:fld id="{C89161E8-A6DA-FD48-A57E-E88250C15759}" type="slidenum">
               <a:rPr lang="en-US"/>
@@ -4131,7 +4131,7 @@
           <a:p>
             <a:r>
               <a:rPr lang="en-US" dirty="0" smtClean="0"/>
-              <a:t>random-walk.</a:t>
+              <a:t>stationary.</a:t>
             </a:r>
             <a:fld id="{2D031A48-BBCF-B248-9771-B601B0D38C0B}" type="slidenum">
               <a:rPr lang="en-US" smtClean="0"/>
@@ -4157,7 +4157,7 @@
         </p:nvSpPr>
         <p:spPr>
           <a:xfrm>
-            <a:off x="533400" y="1447800"/>
+            <a:off x="533400" y="2057400"/>
             <a:ext cx="8153400" cy="2819400"/>
           </a:xfrm>
         </p:spPr>
@@ -5399,7 +5399,7 @@
           <a:p>
             <a:r>
               <a:rPr lang="en-US" dirty="0" smtClean="0"/>
-              <a:t>random-walk.</a:t>
+              <a:t>stationary.</a:t>
             </a:r>
             <a:fld id="{5E1BA450-280F-8A40-AB9C-518CB5D8C9F4}" type="slidenum">
               <a:rPr lang="en-US" smtClean="0"/>
@@ -5672,8 +5672,8 @@
               <a:defRPr/>
             </a:pPr>
             <a:r>
-              <a:rPr lang="en-US" smtClean="0"/>
-              <a:t>random-walk.</a:t>
+              <a:rPr lang="en-US" dirty="0" smtClean="0"/>
+              <a:t>stationary.</a:t>
             </a:r>
             <a:fld id="{E877D3CB-F960-BD47-98A7-06971C504846}" type="slidenum">
               <a:rPr lang="en-US" smtClean="0"/>
@@ -5682,7 +5682,7 @@
               </a:pPr>
               <a:t>11</a:t>
             </a:fld>
-            <a:endParaRPr lang="en-US" smtClean="0"/>
+            <a:endParaRPr lang="en-US" dirty="0" smtClean="0"/>
           </a:p>
           <a:p>
             <a:pPr>
@@ -5714,7 +5714,7 @@
           <a:graphicData uri="http://schemas.openxmlformats.org/presentationml/2006/ole">
             <mc:AlternateContent xmlns:mc="http://schemas.openxmlformats.org/markup-compatibility/2006">
               <mc:Choice xmlns:v="urn:schemas-microsoft-com:vml" Requires="v">
-                <p:oleObj spid="_x0000_s164870" name="Equation" r:id="rId3" imgW="1879600" imgH="914400" progId="Equation.DSMT4">
+                <p:oleObj spid="_x0000_s164873" name="Equation" r:id="rId3" imgW="1879600" imgH="914400" progId="Equation.DSMT4">
                   <p:embed/>
                 </p:oleObj>
               </mc:Choice>
@@ -6018,8 +6018,8 @@
               <a:defRPr/>
             </a:pPr>
             <a:r>
-              <a:rPr lang="en-US" smtClean="0"/>
-              <a:t>random-walk.</a:t>
+              <a:rPr lang="en-US" dirty="0" smtClean="0"/>
+              <a:t>stationary.</a:t>
             </a:r>
             <a:fld id="{E877D3CB-F960-BD47-98A7-06971C504846}" type="slidenum">
               <a:rPr lang="en-US" smtClean="0"/>
@@ -6028,7 +6028,7 @@
               </a:pPr>
               <a:t>12</a:t>
             </a:fld>
-            <a:endParaRPr lang="en-US" smtClean="0"/>
+            <a:endParaRPr lang="en-US" dirty="0" smtClean="0"/>
           </a:p>
           <a:p>
             <a:pPr>
@@ -6060,7 +6060,7 @@
           <a:graphicData uri="http://schemas.openxmlformats.org/presentationml/2006/ole">
             <mc:AlternateContent xmlns:mc="http://schemas.openxmlformats.org/markup-compatibility/2006">
               <mc:Choice xmlns:v="urn:schemas-microsoft-com:vml" Requires="v">
-                <p:oleObj spid="_x0000_s165894" name="Equation" r:id="rId3" imgW="2044700" imgH="863600" progId="Equation.DSMT4">
+                <p:oleObj spid="_x0000_s165897" name="Equation" r:id="rId3" imgW="2044700" imgH="863600" progId="Equation.DSMT4">
                   <p:embed/>
                 </p:oleObj>
               </mc:Choice>
@@ -6289,8 +6289,8 @@
               <a:defRPr/>
             </a:pPr>
             <a:r>
-              <a:rPr lang="en-US" smtClean="0"/>
-              <a:t>random-walk.</a:t>
+              <a:rPr lang="en-US" dirty="0" smtClean="0"/>
+              <a:t>stationary.</a:t>
             </a:r>
             <a:fld id="{E877D3CB-F960-BD47-98A7-06971C504846}" type="slidenum">
               <a:rPr lang="en-US" smtClean="0"/>
@@ -6299,7 +6299,7 @@
               </a:pPr>
               <a:t>13</a:t>
             </a:fld>
-            <a:endParaRPr lang="en-US" smtClean="0"/>
+            <a:endParaRPr lang="en-US" dirty="0" smtClean="0"/>
           </a:p>
           <a:p>
             <a:pPr>
@@ -6331,7 +6331,7 @@
           <a:graphicData uri="http://schemas.openxmlformats.org/presentationml/2006/ole">
             <mc:AlternateContent xmlns:mc="http://schemas.openxmlformats.org/markup-compatibility/2006">
               <mc:Choice xmlns:v="urn:schemas-microsoft-com:vml" Requires="v">
-                <p:oleObj spid="_x0000_s166918" name="Equation" r:id="rId3" imgW="2044700" imgH="736600" progId="Equation.DSMT4">
+                <p:oleObj spid="_x0000_s166921" name="Equation" r:id="rId3" imgW="2044700" imgH="736600" progId="Equation.DSMT4">
                   <p:embed/>
                 </p:oleObj>
               </mc:Choice>
@@ -6644,8 +6644,8 @@
               <a:defRPr/>
             </a:pPr>
             <a:r>
-              <a:rPr lang="en-US" smtClean="0"/>
-              <a:t>random-walk.</a:t>
+              <a:rPr lang="en-US" dirty="0" smtClean="0"/>
+              <a:t>stationary.</a:t>
             </a:r>
             <a:fld id="{E877D3CB-F960-BD47-98A7-06971C504846}" type="slidenum">
               <a:rPr lang="en-US" smtClean="0"/>
@@ -6654,7 +6654,7 @@
               </a:pPr>
               <a:t>14</a:t>
             </a:fld>
-            <a:endParaRPr lang="en-US" smtClean="0"/>
+            <a:endParaRPr lang="en-US" dirty="0" smtClean="0"/>
           </a:p>
           <a:p>
             <a:pPr>
@@ -6686,7 +6686,7 @@
           <a:graphicData uri="http://schemas.openxmlformats.org/presentationml/2006/ole">
             <mc:AlternateContent xmlns:mc="http://schemas.openxmlformats.org/markup-compatibility/2006">
               <mc:Choice xmlns:v="urn:schemas-microsoft-com:vml" Requires="v">
-                <p:oleObj spid="_x0000_s167942" name="Equation" r:id="rId3" imgW="2400300" imgH="990600" progId="Equation.DSMT4">
+                <p:oleObj spid="_x0000_s167945" name="Equation" r:id="rId3" imgW="2400300" imgH="990600" progId="Equation.DSMT4">
                   <p:embed/>
                 </p:oleObj>
               </mc:Choice>
@@ -6932,8 +6932,8 @@
               <a:defRPr/>
             </a:pPr>
             <a:r>
-              <a:rPr lang="en-US" smtClean="0"/>
-              <a:t>random-walk.</a:t>
+              <a:rPr lang="en-US" dirty="0" smtClean="0"/>
+              <a:t>stationary.</a:t>
             </a:r>
             <a:fld id="{E877D3CB-F960-BD47-98A7-06971C504846}" type="slidenum">
               <a:rPr lang="en-US" smtClean="0"/>
@@ -6942,7 +6942,7 @@
               </a:pPr>
               <a:t>15</a:t>
             </a:fld>
-            <a:endParaRPr lang="en-US" smtClean="0"/>
+            <a:endParaRPr lang="en-US" dirty="0" smtClean="0"/>
           </a:p>
           <a:p>
             <a:pPr>
@@ -6974,7 +6974,7 @@
           <a:graphicData uri="http://schemas.openxmlformats.org/presentationml/2006/ole">
             <mc:AlternateContent xmlns:mc="http://schemas.openxmlformats.org/markup-compatibility/2006">
               <mc:Choice xmlns:v="urn:schemas-microsoft-com:vml" Requires="v">
-                <p:oleObj spid="_x0000_s1029" name="Equation" r:id="rId3" imgW="2425700" imgH="393700" progId="Equation.DSMT4">
+                <p:oleObj spid="_x0000_s1032" name="Equation" r:id="rId3" imgW="2425700" imgH="393700" progId="Equation.DSMT4">
                   <p:embed/>
                 </p:oleObj>
               </mc:Choice>
@@ -8163,7 +8163,7 @@
           <a:p>
             <a:r>
               <a:rPr lang="en-US" dirty="0" smtClean="0"/>
-              <a:t>random-walk.</a:t>
+              <a:t>stationary.</a:t>
             </a:r>
             <a:fld id="{5E1BA450-280F-8A40-AB9C-518CB5D8C9F4}" type="slidenum">
               <a:rPr lang="en-US" smtClean="0"/>
@@ -8371,7 +8371,7 @@
           <a:p>
             <a:r>
               <a:rPr lang="en-US" dirty="0" smtClean="0"/>
-              <a:t>random-walk.</a:t>
+              <a:t>stationary.</a:t>
             </a:r>
             <a:fld id="{14210493-F1E5-3947-89D9-9F31E085CCF0}" type="slidenum">
               <a:rPr lang="en-US" smtClean="0"/>
@@ -10171,7 +10171,7 @@
           <a:p>
             <a:r>
               <a:rPr lang="en-US" dirty="0" smtClean="0"/>
-              <a:t>random-walk.</a:t>
+              <a:t>stationary.</a:t>
             </a:r>
             <a:fld id="{5BAE2921-7984-5E43-8D00-E78AE60130D3}" type="slidenum">
               <a:rPr lang="en-US" smtClean="0"/>
@@ -11313,7 +11313,7 @@
           <a:p>
             <a:r>
               <a:rPr lang="en-US" dirty="0" smtClean="0"/>
-              <a:t>random-walk.</a:t>
+              <a:t>stationary.</a:t>
             </a:r>
             <a:fld id="{5BAE2921-7984-5E43-8D00-E78AE60130D3}" type="slidenum">
               <a:rPr lang="en-US" smtClean="0"/>
@@ -11419,7 +11419,7 @@
           <a:graphicData uri="http://schemas.openxmlformats.org/presentationml/2006/ole">
             <mc:AlternateContent xmlns:mc="http://schemas.openxmlformats.org/markup-compatibility/2006">
               <mc:Choice xmlns:v="urn:schemas-microsoft-com:vml" Requires="v">
-                <p:oleObj spid="_x0000_s114743" name="Equation" r:id="rId4" imgW="914400" imgH="533400" progId="Equation.DSMT4">
+                <p:oleObj spid="_x0000_s114746" name="Equation" r:id="rId4" imgW="914400" imgH="533400" progId="Equation.DSMT4">
                   <p:embed/>
                 </p:oleObj>
               </mc:Choice>
@@ -12479,7 +12479,7 @@
             <a:pPr algn="r" eaLnBrk="1" hangingPunct="1"/>
             <a:r>
               <a:rPr lang="en-US" sz="1000" dirty="0" smtClean="0"/>
-              <a:t>random-walk.</a:t>
+              <a:t>stationary.</a:t>
             </a:r>
             <a:fld id="{971C8B71-C4BE-F941-B044-057C0BB67DF0}" type="slidenum">
               <a:rPr lang="en-US" sz="1000" smtClean="0"/>
@@ -14877,8 +14877,8 @@
               <a:defRPr/>
             </a:pPr>
             <a:r>
-              <a:rPr lang="en-US" smtClean="0"/>
-              <a:t>random-walk.</a:t>
+              <a:rPr lang="en-US" dirty="0" smtClean="0"/>
+              <a:t>stationary.</a:t>
             </a:r>
             <a:fld id="{E877D3CB-F960-BD47-98A7-06971C504846}" type="slidenum">
               <a:rPr lang="en-US" smtClean="0"/>
@@ -14887,7 +14887,7 @@
               </a:pPr>
               <a:t>20</a:t>
             </a:fld>
-            <a:endParaRPr lang="en-US" smtClean="0"/>
+            <a:endParaRPr lang="en-US" dirty="0" smtClean="0"/>
           </a:p>
           <a:p>
             <a:pPr>
@@ -15414,8 +15414,8 @@
               <a:defRPr/>
             </a:pPr>
             <a:r>
-              <a:rPr lang="en-US" smtClean="0"/>
-              <a:t>random-walk.</a:t>
+              <a:rPr lang="en-US" dirty="0" smtClean="0"/>
+              <a:t>stationary.</a:t>
             </a:r>
             <a:fld id="{E877D3CB-F960-BD47-98A7-06971C504846}" type="slidenum">
               <a:rPr lang="en-US" smtClean="0"/>
@@ -15424,7 +15424,7 @@
               </a:pPr>
               <a:t>21</a:t>
             </a:fld>
-            <a:endParaRPr lang="en-US" smtClean="0"/>
+            <a:endParaRPr lang="en-US" dirty="0" smtClean="0"/>
           </a:p>
           <a:p>
             <a:pPr>
@@ -17108,7 +17108,7 @@
           <a:p>
             <a:r>
               <a:rPr lang="en-US" dirty="0" smtClean="0"/>
-              <a:t>random-walk.</a:t>
+              <a:t>stationary.</a:t>
             </a:r>
             <a:fld id="{816F4D3B-050F-E94C-AE39-4FED2171D20A}" type="slidenum">
               <a:rPr lang="en-US" smtClean="0"/>
@@ -17967,7 +17967,7 @@
             <a:pPr algn="r" eaLnBrk="1" hangingPunct="1"/>
             <a:r>
               <a:rPr lang="en-US" sz="1000" dirty="0" smtClean="0"/>
-              <a:t>random-walk.</a:t>
+              <a:t>stationary.</a:t>
             </a:r>
             <a:fld id="{971C8B71-C4BE-F941-B044-057C0BB67DF0}" type="slidenum">
               <a:rPr lang="en-US" sz="1000" smtClean="0"/>
@@ -19543,7 +19543,6 @@
               <a:rPr lang="en-US" sz="4400" dirty="0" smtClean="0"/>
               <a:t>, </a:t>
             </a:r>
-            <a:endParaRPr lang="en-US" sz="4400" dirty="0" smtClean="0"/>
           </a:p>
         </p:txBody>
       </p:sp>
@@ -19563,7 +19562,7 @@
           <a:graphicData uri="http://schemas.openxmlformats.org/presentationml/2006/ole">
             <mc:AlternateContent xmlns:mc="http://schemas.openxmlformats.org/markup-compatibility/2006">
               <mc:Choice xmlns:v="urn:schemas-microsoft-com:vml" Requires="v">
-                <p:oleObj spid="_x0000_s27704" name="Equation" r:id="rId4" imgW="736600" imgH="533400" progId="Equation.DSMT4">
+                <p:oleObj spid="_x0000_s27707" name="Equation" r:id="rId4" imgW="736600" imgH="533400" progId="Equation.DSMT4">
                   <p:embed/>
                 </p:oleObj>
               </mc:Choice>
@@ -19916,7 +19915,7 @@
             <a:pPr algn="r" eaLnBrk="1" hangingPunct="1"/>
             <a:r>
               <a:rPr lang="en-US" sz="1000" dirty="0" smtClean="0"/>
-              <a:t>random-walk.</a:t>
+              <a:t>stationary.</a:t>
             </a:r>
             <a:fld id="{971C8B71-C4BE-F941-B044-057C0BB67DF0}" type="slidenum">
               <a:rPr lang="en-US" sz="1000" smtClean="0"/>
@@ -22120,7 +22119,7 @@
             <a:pPr algn="r" eaLnBrk="1" hangingPunct="1"/>
             <a:r>
               <a:rPr lang="en-US" sz="1000" dirty="0" smtClean="0"/>
-              <a:t>random-walk.</a:t>
+              <a:t>stationary.</a:t>
             </a:r>
             <a:fld id="{971C8B71-C4BE-F941-B044-057C0BB67DF0}" type="slidenum">
               <a:rPr lang="en-US" sz="1000" smtClean="0"/>
@@ -25140,7 +25139,7 @@
           <a:graphicData uri="http://schemas.openxmlformats.org/presentationml/2006/ole">
             <mc:AlternateContent xmlns:mc="http://schemas.openxmlformats.org/markup-compatibility/2006">
               <mc:Choice xmlns:v="urn:schemas-microsoft-com:vml" Requires="v">
-                <p:oleObj spid="_x0000_s31800" name="Equation" r:id="rId4" imgW="736600" imgH="533400" progId="Equation.DSMT4">
+                <p:oleObj spid="_x0000_s31803" name="Equation" r:id="rId4" imgW="736600" imgH="533400" progId="Equation.DSMT4">
                   <p:embed/>
                 </p:oleObj>
               </mc:Choice>
@@ -25460,7 +25459,7 @@
           <a:p>
             <a:r>
               <a:rPr lang="en-US" dirty="0" smtClean="0"/>
-              <a:t>random-walk.</a:t>
+              <a:t>stationary.</a:t>
             </a:r>
             <a:fld id="{5E1BA450-280F-8A40-AB9C-518CB5D8C9F4}" type="slidenum">
               <a:rPr lang="en-US" smtClean="0"/>
@@ -26969,7 +26968,7 @@
           <a:graphicData uri="http://schemas.openxmlformats.org/presentationml/2006/ole">
             <mc:AlternateContent xmlns:mc="http://schemas.openxmlformats.org/markup-compatibility/2006">
               <mc:Choice xmlns:v="urn:schemas-microsoft-com:vml" Requires="v">
-                <p:oleObj spid="_x0000_s100408" name="Equation" r:id="rId4" imgW="736600" imgH="533400" progId="Equation.DSMT4">
+                <p:oleObj spid="_x0000_s100411" name="Equation" r:id="rId4" imgW="736600" imgH="533400" progId="Equation.DSMT4">
                   <p:embed/>
                 </p:oleObj>
               </mc:Choice>
@@ -27158,7 +27157,7 @@
           <a:p>
             <a:r>
               <a:rPr lang="en-US" dirty="0" smtClean="0"/>
-              <a:t>random-walk.</a:t>
+              <a:t>stationary.</a:t>
             </a:r>
             <a:fld id="{5E1BA450-280F-8A40-AB9C-518CB5D8C9F4}" type="slidenum">
               <a:rPr lang="en-US" smtClean="0"/>
@@ -28811,7 +28810,7 @@
           <a:graphicData uri="http://schemas.openxmlformats.org/presentationml/2006/ole">
             <mc:AlternateContent xmlns:mc="http://schemas.openxmlformats.org/markup-compatibility/2006">
               <mc:Choice xmlns:v="urn:schemas-microsoft-com:vml" Requires="v">
-                <p:oleObj spid="_x0000_s162873" name="Equation" r:id="rId4" imgW="736600" imgH="533400" progId="Equation.DSMT4">
+                <p:oleObj spid="_x0000_s162876" name="Equation" r:id="rId4" imgW="736600" imgH="533400" progId="Equation.DSMT4">
                   <p:embed/>
                 </p:oleObj>
               </mc:Choice>
@@ -29322,7 +29321,7 @@
           <a:p>
             <a:r>
               <a:rPr lang="en-US" dirty="0" smtClean="0"/>
-              <a:t>random-walk.</a:t>
+              <a:t>stationary.</a:t>
             </a:r>
             <a:fld id="{5E1BA450-280F-8A40-AB9C-518CB5D8C9F4}" type="slidenum">
               <a:rPr lang="en-US" smtClean="0"/>
@@ -30980,7 +30979,7 @@
           <a:graphicData uri="http://schemas.openxmlformats.org/presentationml/2006/ole">
             <mc:AlternateContent xmlns:mc="http://schemas.openxmlformats.org/markup-compatibility/2006">
               <mc:Choice xmlns:v="urn:schemas-microsoft-com:vml" Requires="v">
-                <p:oleObj spid="_x0000_s102456" name="Equation" r:id="rId4" imgW="901700" imgH="533400" progId="Equation.DSMT4">
+                <p:oleObj spid="_x0000_s102459" name="Equation" r:id="rId4" imgW="901700" imgH="533400" progId="Equation.DSMT4">
                   <p:embed/>
                 </p:oleObj>
               </mc:Choice>
@@ -31101,7 +31100,7 @@
           <a:p>
             <a:r>
               <a:rPr lang="en-US" dirty="0" smtClean="0"/>
-              <a:t>random-walk.</a:t>
+              <a:t>stationary.</a:t>
             </a:r>
             <a:fld id="{5E1BA450-280F-8A40-AB9C-518CB5D8C9F4}" type="slidenum">
               <a:rPr lang="en-US" smtClean="0"/>

--- a/fall13/slidesF13/stationary-distribution.pptx
+++ b/fall13/slidesF13/stationary-distribution.pptx
@@ -5714,7 +5714,7 @@
           <a:graphicData uri="http://schemas.openxmlformats.org/presentationml/2006/ole">
             <mc:AlternateContent xmlns:mc="http://schemas.openxmlformats.org/markup-compatibility/2006">
               <mc:Choice xmlns:v="urn:schemas-microsoft-com:vml" Requires="v">
-                <p:oleObj spid="_x0000_s164873" name="Equation" r:id="rId3" imgW="1879600" imgH="914400" progId="Equation.DSMT4">
+                <p:oleObj spid="_x0000_s164876" name="Equation" r:id="rId3" imgW="1879600" imgH="914400" progId="Equation.DSMT4">
                   <p:embed/>
                 </p:oleObj>
               </mc:Choice>
@@ -6060,7 +6060,7 @@
           <a:graphicData uri="http://schemas.openxmlformats.org/presentationml/2006/ole">
             <mc:AlternateContent xmlns:mc="http://schemas.openxmlformats.org/markup-compatibility/2006">
               <mc:Choice xmlns:v="urn:schemas-microsoft-com:vml" Requires="v">
-                <p:oleObj spid="_x0000_s165897" name="Equation" r:id="rId3" imgW="2044700" imgH="863600" progId="Equation.DSMT4">
+                <p:oleObj spid="_x0000_s165900" name="Equation" r:id="rId3" imgW="2044700" imgH="863600" progId="Equation.DSMT4">
                   <p:embed/>
                 </p:oleObj>
               </mc:Choice>
@@ -6331,7 +6331,7 @@
           <a:graphicData uri="http://schemas.openxmlformats.org/presentationml/2006/ole">
             <mc:AlternateContent xmlns:mc="http://schemas.openxmlformats.org/markup-compatibility/2006">
               <mc:Choice xmlns:v="urn:schemas-microsoft-com:vml" Requires="v">
-                <p:oleObj spid="_x0000_s166921" name="Equation" r:id="rId3" imgW="2044700" imgH="736600" progId="Equation.DSMT4">
+                <p:oleObj spid="_x0000_s166924" name="Equation" r:id="rId3" imgW="2044700" imgH="736600" progId="Equation.DSMT4">
                   <p:embed/>
                 </p:oleObj>
               </mc:Choice>
@@ -6686,7 +6686,7 @@
           <a:graphicData uri="http://schemas.openxmlformats.org/presentationml/2006/ole">
             <mc:AlternateContent xmlns:mc="http://schemas.openxmlformats.org/markup-compatibility/2006">
               <mc:Choice xmlns:v="urn:schemas-microsoft-com:vml" Requires="v">
-                <p:oleObj spid="_x0000_s167945" name="Equation" r:id="rId3" imgW="2400300" imgH="990600" progId="Equation.DSMT4">
+                <p:oleObj spid="_x0000_s167948" name="Equation" r:id="rId3" imgW="2400300" imgH="990600" progId="Equation.DSMT4">
                   <p:embed/>
                 </p:oleObj>
               </mc:Choice>
@@ -6974,7 +6974,7 @@
           <a:graphicData uri="http://schemas.openxmlformats.org/presentationml/2006/ole">
             <mc:AlternateContent xmlns:mc="http://schemas.openxmlformats.org/markup-compatibility/2006">
               <mc:Choice xmlns:v="urn:schemas-microsoft-com:vml" Requires="v">
-                <p:oleObj spid="_x0000_s1032" name="Equation" r:id="rId3" imgW="2425700" imgH="393700" progId="Equation.DSMT4">
+                <p:oleObj spid="_x0000_s1035" name="Equation" r:id="rId3" imgW="2425700" imgH="393700" progId="Equation.DSMT4">
                   <p:embed/>
                 </p:oleObj>
               </mc:Choice>
@@ -11419,7 +11419,7 @@
           <a:graphicData uri="http://schemas.openxmlformats.org/presentationml/2006/ole">
             <mc:AlternateContent xmlns:mc="http://schemas.openxmlformats.org/markup-compatibility/2006">
               <mc:Choice xmlns:v="urn:schemas-microsoft-com:vml" Requires="v">
-                <p:oleObj spid="_x0000_s114746" name="Equation" r:id="rId4" imgW="914400" imgH="533400" progId="Equation.DSMT4">
+                <p:oleObj spid="_x0000_s114749" name="Equation" r:id="rId4" imgW="914400" imgH="533400" progId="Equation.DSMT4">
                   <p:embed/>
                 </p:oleObj>
               </mc:Choice>
@@ -15341,6 +15341,493 @@
           <a:chExt cx="0" cy="0"/>
         </a:xfrm>
       </p:grpSpPr>
+      <p:grpSp>
+        <p:nvGrpSpPr>
+          <p:cNvPr id="17" name="Group 16"/>
+          <p:cNvGrpSpPr/>
+          <p:nvPr/>
+        </p:nvGrpSpPr>
+        <p:grpSpPr>
+          <a:xfrm>
+            <a:off x="457200" y="4038600"/>
+            <a:ext cx="4114800" cy="685800"/>
+            <a:chOff x="228600" y="4038600"/>
+            <a:chExt cx="4114800" cy="685800"/>
+          </a:xfrm>
+        </p:grpSpPr>
+        <p:grpSp>
+          <p:nvGrpSpPr>
+            <p:cNvPr id="55" name="Group 54"/>
+            <p:cNvGrpSpPr/>
+            <p:nvPr/>
+          </p:nvGrpSpPr>
+          <p:grpSpPr>
+            <a:xfrm>
+              <a:off x="228600" y="4038600"/>
+              <a:ext cx="4114800" cy="685800"/>
+              <a:chOff x="228600" y="4038600"/>
+              <a:chExt cx="4114800" cy="685800"/>
+            </a:xfrm>
+          </p:grpSpPr>
+          <p:sp>
+            <p:nvSpPr>
+              <p:cNvPr id="31" name="Oval 30"/>
+              <p:cNvSpPr/>
+              <p:nvPr/>
+            </p:nvSpPr>
+            <p:spPr bwMode="auto">
+              <a:xfrm>
+                <a:off x="1295400" y="4075331"/>
+                <a:ext cx="609600" cy="609600"/>
+              </a:xfrm>
+              <a:prstGeom prst="ellipse">
+                <a:avLst/>
+              </a:prstGeom>
+              <a:solidFill>
+                <a:schemeClr val="accent1"/>
+              </a:solidFill>
+              <a:ln w="9525" cap="flat" cmpd="sng" algn="ctr">
+                <a:solidFill>
+                  <a:schemeClr val="tx1"/>
+                </a:solidFill>
+                <a:prstDash val="solid"/>
+                <a:round/>
+                <a:headEnd type="none" w="med" len="med"/>
+                <a:tailEnd type="none" w="med" len="med"/>
+              </a:ln>
+              <a:effectLst/>
+            </p:spPr>
+            <p:txBody>
+              <a:bodyPr vert="horz" wrap="square" lIns="91440" tIns="45720" rIns="91440" bIns="45720" numCol="1" rtlCol="0" anchor="t" anchorCtr="0" compatLnSpc="1">
+                <a:prstTxWarp prst="textNoShape">
+                  <a:avLst/>
+                </a:prstTxWarp>
+              </a:bodyPr>
+              <a:lstStyle/>
+              <a:p>
+                <a:pPr marL="0" marR="0" indent="0" algn="l" defTabSz="914400" rtl="0" eaLnBrk="0" fontAlgn="base" latinLnBrk="0" hangingPunct="0">
+                  <a:lnSpc>
+                    <a:spcPct val="100000"/>
+                  </a:lnSpc>
+                  <a:spcBef>
+                    <a:spcPct val="0"/>
+                  </a:spcBef>
+                  <a:spcAft>
+                    <a:spcPct val="0"/>
+                  </a:spcAft>
+                  <a:buClrTx/>
+                  <a:buSzTx/>
+                  <a:buFontTx/>
+                  <a:buNone/>
+                  <a:tabLst/>
+                </a:pPr>
+                <a:endParaRPr kumimoji="0" lang="en-US" sz="2400" b="0" i="0" u="none" strike="noStrike" cap="none" normalizeH="0" baseline="0" smtClean="0">
+                  <a:ln>
+                    <a:noFill/>
+                  </a:ln>
+                  <a:solidFill>
+                    <a:schemeClr val="tx1"/>
+                  </a:solidFill>
+                  <a:effectLst/>
+                  <a:latin typeface="Comic Sans MS" pitchFamily="-64" charset="0"/>
+                  <a:ea typeface="ＭＳ Ｐゴシック" pitchFamily="-64" charset="-128"/>
+                </a:endParaRPr>
+              </a:p>
+            </p:txBody>
+          </p:sp>
+          <p:sp>
+            <p:nvSpPr>
+              <p:cNvPr id="32" name="Oval 31"/>
+              <p:cNvSpPr/>
+              <p:nvPr/>
+            </p:nvSpPr>
+            <p:spPr bwMode="auto">
+              <a:xfrm>
+                <a:off x="2514600" y="4075331"/>
+                <a:ext cx="609600" cy="609600"/>
+              </a:xfrm>
+              <a:prstGeom prst="ellipse">
+                <a:avLst/>
+              </a:prstGeom>
+              <a:solidFill>
+                <a:schemeClr val="accent1"/>
+              </a:solidFill>
+              <a:ln w="9525" cap="flat" cmpd="sng" algn="ctr">
+                <a:solidFill>
+                  <a:schemeClr val="tx1"/>
+                </a:solidFill>
+                <a:prstDash val="solid"/>
+                <a:round/>
+                <a:headEnd type="none" w="med" len="med"/>
+                <a:tailEnd type="none" w="med" len="med"/>
+              </a:ln>
+              <a:effectLst/>
+            </p:spPr>
+            <p:txBody>
+              <a:bodyPr vert="horz" wrap="square" lIns="91440" tIns="45720" rIns="91440" bIns="45720" numCol="1" rtlCol="0" anchor="t" anchorCtr="0" compatLnSpc="1">
+                <a:prstTxWarp prst="textNoShape">
+                  <a:avLst/>
+                </a:prstTxWarp>
+              </a:bodyPr>
+              <a:lstStyle/>
+              <a:p>
+                <a:pPr marL="0" marR="0" indent="0" algn="l" defTabSz="914400" rtl="0" eaLnBrk="0" fontAlgn="base" latinLnBrk="0" hangingPunct="0">
+                  <a:lnSpc>
+                    <a:spcPct val="100000"/>
+                  </a:lnSpc>
+                  <a:spcBef>
+                    <a:spcPct val="0"/>
+                  </a:spcBef>
+                  <a:spcAft>
+                    <a:spcPct val="0"/>
+                  </a:spcAft>
+                  <a:buClrTx/>
+                  <a:buSzTx/>
+                  <a:buFontTx/>
+                  <a:buNone/>
+                  <a:tabLst/>
+                </a:pPr>
+                <a:endParaRPr kumimoji="0" lang="en-US" sz="2400" b="0" i="0" u="none" strike="noStrike" cap="none" normalizeH="0" baseline="0" smtClean="0">
+                  <a:ln>
+                    <a:noFill/>
+                  </a:ln>
+                  <a:solidFill>
+                    <a:schemeClr val="tx1"/>
+                  </a:solidFill>
+                  <a:effectLst/>
+                  <a:latin typeface="Comic Sans MS" pitchFamily="-64" charset="0"/>
+                  <a:ea typeface="ＭＳ Ｐゴシック" pitchFamily="-64" charset="-128"/>
+                </a:endParaRPr>
+              </a:p>
+            </p:txBody>
+          </p:sp>
+          <p:cxnSp>
+            <p:nvCxnSpPr>
+              <p:cNvPr id="33" name="Curved Connector 32"/>
+              <p:cNvCxnSpPr/>
+              <p:nvPr/>
+            </p:nvCxnSpPr>
+            <p:spPr bwMode="auto">
+              <a:xfrm rot="16200000" flipV="1">
+                <a:off x="2241550" y="3397250"/>
+                <a:ext cx="12700" cy="1295400"/>
+              </a:xfrm>
+              <a:prstGeom prst="curvedConnector3">
+                <a:avLst>
+                  <a:gd name="adj1" fmla="val 4686874"/>
+                </a:avLst>
+              </a:prstGeom>
+              <a:solidFill>
+                <a:schemeClr val="accent1"/>
+              </a:solidFill>
+              <a:ln w="31750" cap="flat" cmpd="sng" algn="ctr">
+                <a:solidFill>
+                  <a:schemeClr val="tx1"/>
+                </a:solidFill>
+                <a:prstDash val="solid"/>
+                <a:round/>
+                <a:headEnd type="none" w="med" len="med"/>
+                <a:tailEnd type="stealth" w="lg" len="lg"/>
+              </a:ln>
+              <a:effectLst/>
+            </p:spPr>
+          </p:cxnSp>
+          <p:sp>
+            <p:nvSpPr>
+              <p:cNvPr id="35" name="Oval 34"/>
+              <p:cNvSpPr/>
+              <p:nvPr/>
+            </p:nvSpPr>
+            <p:spPr bwMode="auto">
+              <a:xfrm>
+                <a:off x="228600" y="4114800"/>
+                <a:ext cx="609600" cy="609600"/>
+              </a:xfrm>
+              <a:prstGeom prst="ellipse">
+                <a:avLst/>
+              </a:prstGeom>
+              <a:solidFill>
+                <a:schemeClr val="accent1"/>
+              </a:solidFill>
+              <a:ln w="9525" cap="flat" cmpd="sng" algn="ctr">
+                <a:solidFill>
+                  <a:schemeClr val="tx1"/>
+                </a:solidFill>
+                <a:prstDash val="solid"/>
+                <a:round/>
+                <a:headEnd type="none" w="med" len="med"/>
+                <a:tailEnd type="none" w="med" len="med"/>
+              </a:ln>
+              <a:effectLst/>
+            </p:spPr>
+            <p:txBody>
+              <a:bodyPr vert="horz" wrap="square" lIns="91440" tIns="45720" rIns="91440" bIns="45720" numCol="1" rtlCol="0" anchor="t" anchorCtr="0" compatLnSpc="1">
+                <a:prstTxWarp prst="textNoShape">
+                  <a:avLst/>
+                </a:prstTxWarp>
+              </a:bodyPr>
+              <a:lstStyle/>
+              <a:p>
+                <a:pPr marL="0" marR="0" indent="0" algn="l" defTabSz="914400" rtl="0" eaLnBrk="0" fontAlgn="base" latinLnBrk="0" hangingPunct="0">
+                  <a:lnSpc>
+                    <a:spcPct val="100000"/>
+                  </a:lnSpc>
+                  <a:spcBef>
+                    <a:spcPct val="0"/>
+                  </a:spcBef>
+                  <a:spcAft>
+                    <a:spcPct val="0"/>
+                  </a:spcAft>
+                  <a:buClrTx/>
+                  <a:buSzTx/>
+                  <a:buFontTx/>
+                  <a:buNone/>
+                  <a:tabLst/>
+                </a:pPr>
+                <a:endParaRPr kumimoji="0" lang="en-US" sz="2400" b="0" i="0" u="none" strike="noStrike" cap="none" normalizeH="0" baseline="0" smtClean="0">
+                  <a:ln>
+                    <a:noFill/>
+                  </a:ln>
+                  <a:solidFill>
+                    <a:schemeClr val="tx1"/>
+                  </a:solidFill>
+                  <a:effectLst/>
+                  <a:latin typeface="Comic Sans MS" pitchFamily="-64" charset="0"/>
+                  <a:ea typeface="ＭＳ Ｐゴシック" pitchFamily="-64" charset="-128"/>
+                </a:endParaRPr>
+              </a:p>
+            </p:txBody>
+          </p:sp>
+          <p:sp>
+            <p:nvSpPr>
+              <p:cNvPr id="36" name="Oval 35"/>
+              <p:cNvSpPr/>
+              <p:nvPr/>
+            </p:nvSpPr>
+            <p:spPr bwMode="auto">
+              <a:xfrm>
+                <a:off x="3733800" y="4114800"/>
+                <a:ext cx="609600" cy="609600"/>
+              </a:xfrm>
+              <a:prstGeom prst="ellipse">
+                <a:avLst/>
+              </a:prstGeom>
+              <a:solidFill>
+                <a:schemeClr val="accent1"/>
+              </a:solidFill>
+              <a:ln w="9525" cap="flat" cmpd="sng" algn="ctr">
+                <a:solidFill>
+                  <a:schemeClr val="tx1"/>
+                </a:solidFill>
+                <a:prstDash val="solid"/>
+                <a:round/>
+                <a:headEnd type="none" w="med" len="med"/>
+                <a:tailEnd type="none" w="med" len="med"/>
+              </a:ln>
+              <a:effectLst/>
+            </p:spPr>
+            <p:txBody>
+              <a:bodyPr vert="horz" wrap="square" lIns="91440" tIns="45720" rIns="91440" bIns="45720" numCol="1" rtlCol="0" anchor="t" anchorCtr="0" compatLnSpc="1">
+                <a:prstTxWarp prst="textNoShape">
+                  <a:avLst/>
+                </a:prstTxWarp>
+              </a:bodyPr>
+              <a:lstStyle/>
+              <a:p>
+                <a:pPr marL="0" marR="0" indent="0" algn="l" defTabSz="914400" rtl="0" eaLnBrk="0" fontAlgn="base" latinLnBrk="0" hangingPunct="0">
+                  <a:lnSpc>
+                    <a:spcPct val="100000"/>
+                  </a:lnSpc>
+                  <a:spcBef>
+                    <a:spcPct val="0"/>
+                  </a:spcBef>
+                  <a:spcAft>
+                    <a:spcPct val="0"/>
+                  </a:spcAft>
+                  <a:buClrTx/>
+                  <a:buSzTx/>
+                  <a:buFontTx/>
+                  <a:buNone/>
+                  <a:tabLst/>
+                </a:pPr>
+                <a:endParaRPr kumimoji="0" lang="en-US" sz="2400" b="0" i="0" u="none" strike="noStrike" cap="none" normalizeH="0" baseline="0" smtClean="0">
+                  <a:ln>
+                    <a:noFill/>
+                  </a:ln>
+                  <a:solidFill>
+                    <a:schemeClr val="tx1"/>
+                  </a:solidFill>
+                  <a:effectLst/>
+                  <a:latin typeface="Comic Sans MS" pitchFamily="-64" charset="0"/>
+                  <a:ea typeface="ＭＳ Ｐゴシック" pitchFamily="-64" charset="-128"/>
+                </a:endParaRPr>
+              </a:p>
+            </p:txBody>
+          </p:sp>
+          <p:cxnSp>
+            <p:nvCxnSpPr>
+              <p:cNvPr id="38" name="Straight Arrow Connector 37"/>
+              <p:cNvCxnSpPr>
+                <a:stCxn id="32" idx="6"/>
+                <a:endCxn id="36" idx="2"/>
+              </p:cNvCxnSpPr>
+              <p:nvPr/>
+            </p:nvCxnSpPr>
+            <p:spPr bwMode="auto">
+              <a:xfrm>
+                <a:off x="3124200" y="4380131"/>
+                <a:ext cx="609600" cy="39469"/>
+              </a:xfrm>
+              <a:prstGeom prst="straightConnector1">
+                <a:avLst/>
+              </a:prstGeom>
+              <a:solidFill>
+                <a:schemeClr val="accent1"/>
+              </a:solidFill>
+              <a:ln w="31750" cap="flat" cmpd="sng" algn="ctr">
+                <a:solidFill>
+                  <a:schemeClr val="tx1"/>
+                </a:solidFill>
+                <a:prstDash val="solid"/>
+                <a:round/>
+                <a:headEnd type="none" w="med" len="med"/>
+                <a:tailEnd type="arrow"/>
+              </a:ln>
+              <a:effectLst/>
+            </p:spPr>
+          </p:cxnSp>
+          <p:cxnSp>
+            <p:nvCxnSpPr>
+              <p:cNvPr id="39" name="Straight Arrow Connector 38"/>
+              <p:cNvCxnSpPr>
+                <a:stCxn id="31" idx="2"/>
+                <a:endCxn id="35" idx="6"/>
+              </p:cNvCxnSpPr>
+              <p:nvPr/>
+            </p:nvCxnSpPr>
+            <p:spPr bwMode="auto">
+              <a:xfrm flipH="1">
+                <a:off x="838200" y="4380131"/>
+                <a:ext cx="457200" cy="39469"/>
+              </a:xfrm>
+              <a:prstGeom prst="straightConnector1">
+                <a:avLst/>
+              </a:prstGeom>
+              <a:solidFill>
+                <a:schemeClr val="accent1"/>
+              </a:solidFill>
+              <a:ln w="31750" cap="flat" cmpd="sng" algn="ctr">
+                <a:solidFill>
+                  <a:schemeClr val="tx1"/>
+                </a:solidFill>
+                <a:prstDash val="solid"/>
+                <a:round/>
+                <a:headEnd type="none" w="med" len="med"/>
+                <a:tailEnd type="arrow"/>
+              </a:ln>
+              <a:effectLst/>
+            </p:spPr>
+          </p:cxnSp>
+          <p:cxnSp>
+            <p:nvCxnSpPr>
+              <p:cNvPr id="46" name="Curved Connector 45"/>
+              <p:cNvCxnSpPr>
+                <a:stCxn id="32" idx="4"/>
+                <a:endCxn id="31" idx="4"/>
+              </p:cNvCxnSpPr>
+              <p:nvPr/>
+            </p:nvCxnSpPr>
+            <p:spPr bwMode="auto">
+              <a:xfrm rot="5400000">
+                <a:off x="2209800" y="4075331"/>
+                <a:ext cx="12700" cy="1219200"/>
+              </a:xfrm>
+              <a:prstGeom prst="curvedConnector3">
+                <a:avLst>
+                  <a:gd name="adj1" fmla="val 4377567"/>
+                </a:avLst>
+              </a:prstGeom>
+              <a:solidFill>
+                <a:schemeClr val="accent1"/>
+              </a:solidFill>
+              <a:ln w="31750" cap="flat" cmpd="sng" algn="ctr">
+                <a:solidFill>
+                  <a:schemeClr val="tx1"/>
+                </a:solidFill>
+                <a:prstDash val="solid"/>
+                <a:round/>
+                <a:headEnd type="stealth" w="lg" len="lg"/>
+                <a:tailEnd type="none" w="lg" len="lg"/>
+              </a:ln>
+              <a:effectLst/>
+            </p:spPr>
+          </p:cxnSp>
+        </p:grpSp>
+        <p:cxnSp>
+          <p:nvCxnSpPr>
+            <p:cNvPr id="37" name="AutoShape 50"/>
+            <p:cNvCxnSpPr>
+              <a:cxnSpLocks noChangeAspect="1" noChangeShapeType="1"/>
+              <a:stCxn id="36" idx="2"/>
+              <a:endCxn id="36" idx="6"/>
+            </p:cNvCxnSpPr>
+            <p:nvPr/>
+          </p:nvCxnSpPr>
+          <p:spPr bwMode="auto">
+            <a:xfrm rot="10800000" flipH="1">
+              <a:off x="3733800" y="4419600"/>
+              <a:ext cx="609600" cy="12700"/>
+            </a:xfrm>
+            <a:prstGeom prst="curvedConnector5">
+              <a:avLst>
+                <a:gd name="adj1" fmla="val -37500"/>
+                <a:gd name="adj2" fmla="val 6000000"/>
+                <a:gd name="adj3" fmla="val 137500"/>
+              </a:avLst>
+            </a:prstGeom>
+            <a:noFill/>
+            <a:ln w="28575">
+              <a:solidFill>
+                <a:schemeClr val="tx2"/>
+              </a:solidFill>
+              <a:round/>
+              <a:headEnd/>
+              <a:tailEnd type="triangle" w="med" len="med"/>
+            </a:ln>
+          </p:spPr>
+        </p:cxnSp>
+        <p:cxnSp>
+          <p:nvCxnSpPr>
+            <p:cNvPr id="44" name="AutoShape 50"/>
+            <p:cNvCxnSpPr>
+              <a:cxnSpLocks noChangeAspect="1" noChangeShapeType="1"/>
+            </p:cNvCxnSpPr>
+            <p:nvPr/>
+          </p:nvCxnSpPr>
+          <p:spPr bwMode="auto">
+            <a:xfrm rot="10800000" flipH="1">
+              <a:off x="228600" y="4267200"/>
+              <a:ext cx="609600" cy="12700"/>
+            </a:xfrm>
+            <a:prstGeom prst="curvedConnector5">
+              <a:avLst>
+                <a:gd name="adj1" fmla="val -37500"/>
+                <a:gd name="adj2" fmla="val 6000000"/>
+                <a:gd name="adj3" fmla="val 137500"/>
+              </a:avLst>
+            </a:prstGeom>
+            <a:noFill/>
+            <a:ln w="28575">
+              <a:solidFill>
+                <a:schemeClr val="tx1"/>
+              </a:solidFill>
+              <a:round/>
+              <a:headEnd/>
+              <a:tailEnd type="triangle" w="med" len="med"/>
+            </a:ln>
+          </p:spPr>
+        </p:cxnSp>
+      </p:grpSp>
       <p:sp>
         <p:nvSpPr>
           <p:cNvPr id="2" name="Title 1"/>
@@ -15767,424 +16254,16 @@
       </p:sp>
       <p:grpSp>
         <p:nvGrpSpPr>
-          <p:cNvPr id="55" name="Group 54"/>
+          <p:cNvPr id="54" name="Group 53"/>
           <p:cNvGrpSpPr/>
           <p:nvPr/>
         </p:nvGrpSpPr>
         <p:grpSpPr>
           <a:xfrm>
-            <a:off x="228600" y="4038600"/>
-            <a:ext cx="4114800" cy="685800"/>
-            <a:chOff x="228600" y="4038600"/>
-            <a:chExt cx="4114800" cy="685800"/>
-          </a:xfrm>
-        </p:grpSpPr>
-        <p:sp>
-          <p:nvSpPr>
-            <p:cNvPr id="31" name="Oval 30"/>
-            <p:cNvSpPr/>
-            <p:nvPr/>
-          </p:nvSpPr>
-          <p:spPr bwMode="auto">
-            <a:xfrm>
-              <a:off x="1295400" y="4075331"/>
-              <a:ext cx="609600" cy="609600"/>
-            </a:xfrm>
-            <a:prstGeom prst="ellipse">
-              <a:avLst/>
-            </a:prstGeom>
-            <a:solidFill>
-              <a:schemeClr val="accent1"/>
-            </a:solidFill>
-            <a:ln w="9525" cap="flat" cmpd="sng" algn="ctr">
-              <a:solidFill>
-                <a:schemeClr val="tx1"/>
-              </a:solidFill>
-              <a:prstDash val="solid"/>
-              <a:round/>
-              <a:headEnd type="none" w="med" len="med"/>
-              <a:tailEnd type="none" w="med" len="med"/>
-            </a:ln>
-            <a:effectLst/>
-          </p:spPr>
-          <p:txBody>
-            <a:bodyPr vert="horz" wrap="square" lIns="91440" tIns="45720" rIns="91440" bIns="45720" numCol="1" rtlCol="0" anchor="t" anchorCtr="0" compatLnSpc="1">
-              <a:prstTxWarp prst="textNoShape">
-                <a:avLst/>
-              </a:prstTxWarp>
-            </a:bodyPr>
-            <a:lstStyle/>
-            <a:p>
-              <a:pPr marL="0" marR="0" indent="0" algn="l" defTabSz="914400" rtl="0" eaLnBrk="0" fontAlgn="base" latinLnBrk="0" hangingPunct="0">
-                <a:lnSpc>
-                  <a:spcPct val="100000"/>
-                </a:lnSpc>
-                <a:spcBef>
-                  <a:spcPct val="0"/>
-                </a:spcBef>
-                <a:spcAft>
-                  <a:spcPct val="0"/>
-                </a:spcAft>
-                <a:buClrTx/>
-                <a:buSzTx/>
-                <a:buFontTx/>
-                <a:buNone/>
-                <a:tabLst/>
-              </a:pPr>
-              <a:endParaRPr kumimoji="0" lang="en-US" sz="2400" b="0" i="0" u="none" strike="noStrike" cap="none" normalizeH="0" baseline="0" smtClean="0">
-                <a:ln>
-                  <a:noFill/>
-                </a:ln>
-                <a:solidFill>
-                  <a:schemeClr val="tx1"/>
-                </a:solidFill>
-                <a:effectLst/>
-                <a:latin typeface="Comic Sans MS" pitchFamily="-64" charset="0"/>
-                <a:ea typeface="ＭＳ Ｐゴシック" pitchFamily="-64" charset="-128"/>
-              </a:endParaRPr>
-            </a:p>
-          </p:txBody>
-        </p:sp>
-        <p:sp>
-          <p:nvSpPr>
-            <p:cNvPr id="32" name="Oval 31"/>
-            <p:cNvSpPr/>
-            <p:nvPr/>
-          </p:nvSpPr>
-          <p:spPr bwMode="auto">
-            <a:xfrm>
-              <a:off x="2514600" y="4075331"/>
-              <a:ext cx="609600" cy="609600"/>
-            </a:xfrm>
-            <a:prstGeom prst="ellipse">
-              <a:avLst/>
-            </a:prstGeom>
-            <a:solidFill>
-              <a:schemeClr val="accent1"/>
-            </a:solidFill>
-            <a:ln w="9525" cap="flat" cmpd="sng" algn="ctr">
-              <a:solidFill>
-                <a:schemeClr val="tx1"/>
-              </a:solidFill>
-              <a:prstDash val="solid"/>
-              <a:round/>
-              <a:headEnd type="none" w="med" len="med"/>
-              <a:tailEnd type="none" w="med" len="med"/>
-            </a:ln>
-            <a:effectLst/>
-          </p:spPr>
-          <p:txBody>
-            <a:bodyPr vert="horz" wrap="square" lIns="91440" tIns="45720" rIns="91440" bIns="45720" numCol="1" rtlCol="0" anchor="t" anchorCtr="0" compatLnSpc="1">
-              <a:prstTxWarp prst="textNoShape">
-                <a:avLst/>
-              </a:prstTxWarp>
-            </a:bodyPr>
-            <a:lstStyle/>
-            <a:p>
-              <a:pPr marL="0" marR="0" indent="0" algn="l" defTabSz="914400" rtl="0" eaLnBrk="0" fontAlgn="base" latinLnBrk="0" hangingPunct="0">
-                <a:lnSpc>
-                  <a:spcPct val="100000"/>
-                </a:lnSpc>
-                <a:spcBef>
-                  <a:spcPct val="0"/>
-                </a:spcBef>
-                <a:spcAft>
-                  <a:spcPct val="0"/>
-                </a:spcAft>
-                <a:buClrTx/>
-                <a:buSzTx/>
-                <a:buFontTx/>
-                <a:buNone/>
-                <a:tabLst/>
-              </a:pPr>
-              <a:endParaRPr kumimoji="0" lang="en-US" sz="2400" b="0" i="0" u="none" strike="noStrike" cap="none" normalizeH="0" baseline="0" smtClean="0">
-                <a:ln>
-                  <a:noFill/>
-                </a:ln>
-                <a:solidFill>
-                  <a:schemeClr val="tx1"/>
-                </a:solidFill>
-                <a:effectLst/>
-                <a:latin typeface="Comic Sans MS" pitchFamily="-64" charset="0"/>
-                <a:ea typeface="ＭＳ Ｐゴシック" pitchFamily="-64" charset="-128"/>
-              </a:endParaRPr>
-            </a:p>
-          </p:txBody>
-        </p:sp>
-        <p:cxnSp>
-          <p:nvCxnSpPr>
-            <p:cNvPr id="33" name="Curved Connector 32"/>
-            <p:cNvCxnSpPr/>
-            <p:nvPr/>
-          </p:nvCxnSpPr>
-          <p:spPr bwMode="auto">
-            <a:xfrm rot="16200000" flipV="1">
-              <a:off x="2241550" y="3397250"/>
-              <a:ext cx="12700" cy="1295400"/>
-            </a:xfrm>
-            <a:prstGeom prst="curvedConnector3">
-              <a:avLst>
-                <a:gd name="adj1" fmla="val 4686874"/>
-              </a:avLst>
-            </a:prstGeom>
-            <a:solidFill>
-              <a:schemeClr val="accent1"/>
-            </a:solidFill>
-            <a:ln w="31750" cap="flat" cmpd="sng" algn="ctr">
-              <a:solidFill>
-                <a:schemeClr val="tx1"/>
-              </a:solidFill>
-              <a:prstDash val="solid"/>
-              <a:round/>
-              <a:headEnd type="none" w="med" len="med"/>
-              <a:tailEnd type="stealth" w="lg" len="lg"/>
-            </a:ln>
-            <a:effectLst/>
-          </p:spPr>
-        </p:cxnSp>
-        <p:sp>
-          <p:nvSpPr>
-            <p:cNvPr id="35" name="Oval 34"/>
-            <p:cNvSpPr/>
-            <p:nvPr/>
-          </p:nvSpPr>
-          <p:spPr bwMode="auto">
-            <a:xfrm>
-              <a:off x="228600" y="4114800"/>
-              <a:ext cx="609600" cy="609600"/>
-            </a:xfrm>
-            <a:prstGeom prst="ellipse">
-              <a:avLst/>
-            </a:prstGeom>
-            <a:solidFill>
-              <a:schemeClr val="accent1"/>
-            </a:solidFill>
-            <a:ln w="9525" cap="flat" cmpd="sng" algn="ctr">
-              <a:solidFill>
-                <a:schemeClr val="tx1"/>
-              </a:solidFill>
-              <a:prstDash val="solid"/>
-              <a:round/>
-              <a:headEnd type="none" w="med" len="med"/>
-              <a:tailEnd type="none" w="med" len="med"/>
-            </a:ln>
-            <a:effectLst/>
-          </p:spPr>
-          <p:txBody>
-            <a:bodyPr vert="horz" wrap="square" lIns="91440" tIns="45720" rIns="91440" bIns="45720" numCol="1" rtlCol="0" anchor="t" anchorCtr="0" compatLnSpc="1">
-              <a:prstTxWarp prst="textNoShape">
-                <a:avLst/>
-              </a:prstTxWarp>
-            </a:bodyPr>
-            <a:lstStyle/>
-            <a:p>
-              <a:pPr marL="0" marR="0" indent="0" algn="l" defTabSz="914400" rtl="0" eaLnBrk="0" fontAlgn="base" latinLnBrk="0" hangingPunct="0">
-                <a:lnSpc>
-                  <a:spcPct val="100000"/>
-                </a:lnSpc>
-                <a:spcBef>
-                  <a:spcPct val="0"/>
-                </a:spcBef>
-                <a:spcAft>
-                  <a:spcPct val="0"/>
-                </a:spcAft>
-                <a:buClrTx/>
-                <a:buSzTx/>
-                <a:buFontTx/>
-                <a:buNone/>
-                <a:tabLst/>
-              </a:pPr>
-              <a:endParaRPr kumimoji="0" lang="en-US" sz="2400" b="0" i="0" u="none" strike="noStrike" cap="none" normalizeH="0" baseline="0" smtClean="0">
-                <a:ln>
-                  <a:noFill/>
-                </a:ln>
-                <a:solidFill>
-                  <a:schemeClr val="tx1"/>
-                </a:solidFill>
-                <a:effectLst/>
-                <a:latin typeface="Comic Sans MS" pitchFamily="-64" charset="0"/>
-                <a:ea typeface="ＭＳ Ｐゴシック" pitchFamily="-64" charset="-128"/>
-              </a:endParaRPr>
-            </a:p>
-          </p:txBody>
-        </p:sp>
-        <p:sp>
-          <p:nvSpPr>
-            <p:cNvPr id="36" name="Oval 35"/>
-            <p:cNvSpPr/>
-            <p:nvPr/>
-          </p:nvSpPr>
-          <p:spPr bwMode="auto">
-            <a:xfrm>
-              <a:off x="3733800" y="4114800"/>
-              <a:ext cx="609600" cy="609600"/>
-            </a:xfrm>
-            <a:prstGeom prst="ellipse">
-              <a:avLst/>
-            </a:prstGeom>
-            <a:solidFill>
-              <a:schemeClr val="accent1"/>
-            </a:solidFill>
-            <a:ln w="9525" cap="flat" cmpd="sng" algn="ctr">
-              <a:solidFill>
-                <a:schemeClr val="tx1"/>
-              </a:solidFill>
-              <a:prstDash val="solid"/>
-              <a:round/>
-              <a:headEnd type="none" w="med" len="med"/>
-              <a:tailEnd type="none" w="med" len="med"/>
-            </a:ln>
-            <a:effectLst/>
-          </p:spPr>
-          <p:txBody>
-            <a:bodyPr vert="horz" wrap="square" lIns="91440" tIns="45720" rIns="91440" bIns="45720" numCol="1" rtlCol="0" anchor="t" anchorCtr="0" compatLnSpc="1">
-              <a:prstTxWarp prst="textNoShape">
-                <a:avLst/>
-              </a:prstTxWarp>
-            </a:bodyPr>
-            <a:lstStyle/>
-            <a:p>
-              <a:pPr marL="0" marR="0" indent="0" algn="l" defTabSz="914400" rtl="0" eaLnBrk="0" fontAlgn="base" latinLnBrk="0" hangingPunct="0">
-                <a:lnSpc>
-                  <a:spcPct val="100000"/>
-                </a:lnSpc>
-                <a:spcBef>
-                  <a:spcPct val="0"/>
-                </a:spcBef>
-                <a:spcAft>
-                  <a:spcPct val="0"/>
-                </a:spcAft>
-                <a:buClrTx/>
-                <a:buSzTx/>
-                <a:buFontTx/>
-                <a:buNone/>
-                <a:tabLst/>
-              </a:pPr>
-              <a:endParaRPr kumimoji="0" lang="en-US" sz="2400" b="0" i="0" u="none" strike="noStrike" cap="none" normalizeH="0" baseline="0" smtClean="0">
-                <a:ln>
-                  <a:noFill/>
-                </a:ln>
-                <a:solidFill>
-                  <a:schemeClr val="tx1"/>
-                </a:solidFill>
-                <a:effectLst/>
-                <a:latin typeface="Comic Sans MS" pitchFamily="-64" charset="0"/>
-                <a:ea typeface="ＭＳ Ｐゴシック" pitchFamily="-64" charset="-128"/>
-              </a:endParaRPr>
-            </a:p>
-          </p:txBody>
-        </p:sp>
-        <p:cxnSp>
-          <p:nvCxnSpPr>
-            <p:cNvPr id="38" name="Straight Arrow Connector 37"/>
-            <p:cNvCxnSpPr>
-              <a:stCxn id="32" idx="6"/>
-              <a:endCxn id="36" idx="2"/>
-            </p:cNvCxnSpPr>
-            <p:nvPr/>
-          </p:nvCxnSpPr>
-          <p:spPr bwMode="auto">
-            <a:xfrm>
-              <a:off x="3124200" y="4380131"/>
-              <a:ext cx="609600" cy="39469"/>
-            </a:xfrm>
-            <a:prstGeom prst="straightConnector1">
-              <a:avLst/>
-            </a:prstGeom>
-            <a:solidFill>
-              <a:schemeClr val="accent1"/>
-            </a:solidFill>
-            <a:ln w="31750" cap="flat" cmpd="sng" algn="ctr">
-              <a:solidFill>
-                <a:schemeClr val="tx1"/>
-              </a:solidFill>
-              <a:prstDash val="solid"/>
-              <a:round/>
-              <a:headEnd type="none" w="med" len="med"/>
-              <a:tailEnd type="arrow"/>
-            </a:ln>
-            <a:effectLst/>
-          </p:spPr>
-        </p:cxnSp>
-        <p:cxnSp>
-          <p:nvCxnSpPr>
-            <p:cNvPr id="39" name="Straight Arrow Connector 38"/>
-            <p:cNvCxnSpPr>
-              <a:stCxn id="31" idx="2"/>
-              <a:endCxn id="35" idx="6"/>
-            </p:cNvCxnSpPr>
-            <p:nvPr/>
-          </p:nvCxnSpPr>
-          <p:spPr bwMode="auto">
-            <a:xfrm flipH="1">
-              <a:off x="838200" y="4380131"/>
-              <a:ext cx="457200" cy="39469"/>
-            </a:xfrm>
-            <a:prstGeom prst="straightConnector1">
-              <a:avLst/>
-            </a:prstGeom>
-            <a:solidFill>
-              <a:schemeClr val="accent1"/>
-            </a:solidFill>
-            <a:ln w="31750" cap="flat" cmpd="sng" algn="ctr">
-              <a:solidFill>
-                <a:schemeClr val="tx1"/>
-              </a:solidFill>
-              <a:prstDash val="solid"/>
-              <a:round/>
-              <a:headEnd type="none" w="med" len="med"/>
-              <a:tailEnd type="arrow"/>
-            </a:ln>
-            <a:effectLst/>
-          </p:spPr>
-        </p:cxnSp>
-        <p:cxnSp>
-          <p:nvCxnSpPr>
-            <p:cNvPr id="46" name="Curved Connector 45"/>
-            <p:cNvCxnSpPr>
-              <a:stCxn id="32" idx="4"/>
-              <a:endCxn id="31" idx="4"/>
-            </p:cNvCxnSpPr>
-            <p:nvPr/>
-          </p:nvCxnSpPr>
-          <p:spPr bwMode="auto">
-            <a:xfrm rot="5400000">
-              <a:off x="2209800" y="4075331"/>
-              <a:ext cx="12700" cy="1219200"/>
-            </a:xfrm>
-            <a:prstGeom prst="curvedConnector3">
-              <a:avLst>
-                <a:gd name="adj1" fmla="val 4377567"/>
-              </a:avLst>
-            </a:prstGeom>
-            <a:solidFill>
-              <a:schemeClr val="accent1"/>
-            </a:solidFill>
-            <a:ln w="31750" cap="flat" cmpd="sng" algn="ctr">
-              <a:solidFill>
-                <a:schemeClr val="tx1"/>
-              </a:solidFill>
-              <a:prstDash val="solid"/>
-              <a:round/>
-              <a:headEnd type="stealth" w="lg" len="lg"/>
-              <a:tailEnd type="none" w="lg" len="lg"/>
-            </a:ln>
-            <a:effectLst/>
-          </p:spPr>
-        </p:cxnSp>
-      </p:grpSp>
-      <p:grpSp>
-        <p:nvGrpSpPr>
-          <p:cNvPr id="54" name="Group 53"/>
-          <p:cNvGrpSpPr/>
-          <p:nvPr/>
-        </p:nvGrpSpPr>
-        <p:grpSpPr>
-          <a:xfrm>
-            <a:off x="304800" y="3962400"/>
-            <a:ext cx="3936703" cy="683062"/>
-            <a:chOff x="330497" y="4001869"/>
-            <a:chExt cx="3936703" cy="683062"/>
+            <a:off x="559097" y="3999131"/>
+            <a:ext cx="3936703" cy="649069"/>
+            <a:chOff x="584794" y="4038600"/>
+            <a:chExt cx="3936703" cy="649069"/>
           </a:xfrm>
         </p:grpSpPr>
         <p:sp>
@@ -16195,7 +16274,7 @@
           </p:nvSpPr>
           <p:spPr>
             <a:xfrm>
-              <a:off x="330497" y="4001869"/>
+              <a:off x="584794" y="4041338"/>
               <a:ext cx="431503" cy="646331"/>
             </a:xfrm>
             <a:prstGeom prst="rect">
@@ -16233,7 +16312,7 @@
           </p:nvSpPr>
           <p:spPr>
             <a:xfrm>
-              <a:off x="3842459" y="4038600"/>
+              <a:off x="4096756" y="4038600"/>
               <a:ext cx="424741" cy="646331"/>
             </a:xfrm>
             <a:prstGeom prst="rect">
@@ -16272,7 +16351,7 @@
         </p:nvSpPr>
         <p:spPr>
           <a:xfrm>
-            <a:off x="4648200" y="3886200"/>
+            <a:off x="4967284" y="3886200"/>
             <a:ext cx="3948116" cy="1077218"/>
           </a:xfrm>
           <a:prstGeom prst="rect">
@@ -16828,7 +16907,7 @@
                             </p:stCondLst>
                             <p:childTnLst>
                               <p:par>
-                                <p:cTn id="23" presetID="49" presetClass="entr" presetSubtype="0" decel="100000" fill="hold" nodeType="clickEffect">
+                                <p:cTn id="23" presetID="21" presetClass="entr" presetSubtype="1" fill="hold" nodeType="clickEffect">
                                   <p:stCondLst>
                                     <p:cond delay="0"/>
                                   </p:stCondLst>
@@ -16841,7 +16920,7 @@
                                           </p:stCondLst>
                                         </p:cTn>
                                         <p:tgtEl>
-                                          <p:spTgt spid="55"/>
+                                          <p:spTgt spid="17"/>
                                         </p:tgtEl>
                                         <p:attrNameLst>
                                           <p:attrName>style.visibility</p:attrName>
@@ -16851,80 +16930,11 @@
                                         <p:strVal val="visible"/>
                                       </p:to>
                                     </p:set>
-                                    <p:anim calcmode="lin" valueType="num">
+                                    <p:animEffect transition="in" filter="wheel(1)">
                                       <p:cBhvr>
-                                        <p:cTn id="25" dur="2000" fill="hold"/>
+                                        <p:cTn id="25" dur="2000"/>
                                         <p:tgtEl>
-                                          <p:spTgt spid="55"/>
-                                        </p:tgtEl>
-                                        <p:attrNameLst>
-                                          <p:attrName>ppt_w</p:attrName>
-                                        </p:attrNameLst>
-                                      </p:cBhvr>
-                                      <p:tavLst>
-                                        <p:tav tm="0">
-                                          <p:val>
-                                            <p:fltVal val="0"/>
-                                          </p:val>
-                                        </p:tav>
-                                        <p:tav tm="100000">
-                                          <p:val>
-                                            <p:strVal val="#ppt_w"/>
-                                          </p:val>
-                                        </p:tav>
-                                      </p:tavLst>
-                                    </p:anim>
-                                    <p:anim calcmode="lin" valueType="num">
-                                      <p:cBhvr>
-                                        <p:cTn id="26" dur="2000" fill="hold"/>
-                                        <p:tgtEl>
-                                          <p:spTgt spid="55"/>
-                                        </p:tgtEl>
-                                        <p:attrNameLst>
-                                          <p:attrName>ppt_h</p:attrName>
-                                        </p:attrNameLst>
-                                      </p:cBhvr>
-                                      <p:tavLst>
-                                        <p:tav tm="0">
-                                          <p:val>
-                                            <p:fltVal val="0"/>
-                                          </p:val>
-                                        </p:tav>
-                                        <p:tav tm="100000">
-                                          <p:val>
-                                            <p:strVal val="#ppt_h"/>
-                                          </p:val>
-                                        </p:tav>
-                                      </p:tavLst>
-                                    </p:anim>
-                                    <p:anim calcmode="lin" valueType="num">
-                                      <p:cBhvr>
-                                        <p:cTn id="27" dur="2000" fill="hold"/>
-                                        <p:tgtEl>
-                                          <p:spTgt spid="55"/>
-                                        </p:tgtEl>
-                                        <p:attrNameLst>
-                                          <p:attrName>style.rotation</p:attrName>
-                                        </p:attrNameLst>
-                                      </p:cBhvr>
-                                      <p:tavLst>
-                                        <p:tav tm="0">
-                                          <p:val>
-                                            <p:fltVal val="360"/>
-                                          </p:val>
-                                        </p:tav>
-                                        <p:tav tm="100000">
-                                          <p:val>
-                                            <p:fltVal val="0"/>
-                                          </p:val>
-                                        </p:tav>
-                                      </p:tavLst>
-                                    </p:anim>
-                                    <p:animEffect transition="in" filter="fade">
-                                      <p:cBhvr>
-                                        <p:cTn id="28" dur="2000"/>
-                                        <p:tgtEl>
-                                          <p:spTgt spid="55"/>
+                                          <p:spTgt spid="17"/>
                                         </p:tgtEl>
                                       </p:cBhvr>
                                     </p:animEffect>
@@ -16938,26 +16948,26 @@
                     </p:cTn>
                   </p:par>
                   <p:par>
-                    <p:cTn id="29" fill="hold">
+                    <p:cTn id="26" fill="hold">
                       <p:stCondLst>
                         <p:cond delay="indefinite"/>
                       </p:stCondLst>
                       <p:childTnLst>
                         <p:par>
-                          <p:cTn id="30" fill="hold">
+                          <p:cTn id="27" fill="hold">
                             <p:stCondLst>
                               <p:cond delay="0"/>
                             </p:stCondLst>
                             <p:childTnLst>
                               <p:par>
-                                <p:cTn id="31" presetID="10" presetClass="entr" presetSubtype="0" fill="hold" nodeType="clickEffect">
+                                <p:cTn id="28" presetID="10" presetClass="entr" presetSubtype="0" fill="hold" nodeType="clickEffect">
                                   <p:stCondLst>
                                     <p:cond delay="0"/>
                                   </p:stCondLst>
                                   <p:childTnLst>
                                     <p:set>
                                       <p:cBhvr>
-                                        <p:cTn id="32" dur="1" fill="hold">
+                                        <p:cTn id="29" dur="1" fill="hold">
                                           <p:stCondLst>
                                             <p:cond delay="0"/>
                                           </p:stCondLst>
@@ -16975,7 +16985,7 @@
                                     </p:set>
                                     <p:animEffect transition="in" filter="fade">
                                       <p:cBhvr>
-                                        <p:cTn id="33" dur="500"/>
+                                        <p:cTn id="30" dur="500"/>
                                         <p:tgtEl>
                                           <p:spTgt spid="54"/>
                                         </p:tgtEl>
@@ -16991,26 +17001,26 @@
                     </p:cTn>
                   </p:par>
                   <p:par>
-                    <p:cTn id="34" fill="hold">
+                    <p:cTn id="31" fill="hold">
                       <p:stCondLst>
                         <p:cond delay="indefinite"/>
                       </p:stCondLst>
                       <p:childTnLst>
                         <p:par>
-                          <p:cTn id="35" fill="hold">
+                          <p:cTn id="32" fill="hold">
                             <p:stCondLst>
                               <p:cond delay="0"/>
                             </p:stCondLst>
                             <p:childTnLst>
                               <p:par>
-                                <p:cTn id="36" presetID="10" presetClass="entr" presetSubtype="0" fill="hold" grpId="0" nodeType="clickEffect">
+                                <p:cTn id="33" presetID="10" presetClass="entr" presetSubtype="0" fill="hold" grpId="0" nodeType="clickEffect">
                                   <p:stCondLst>
                                     <p:cond delay="0"/>
                                   </p:stCondLst>
                                   <p:childTnLst>
                                     <p:set>
                                       <p:cBhvr>
-                                        <p:cTn id="37" dur="1" fill="hold">
+                                        <p:cTn id="34" dur="1" fill="hold">
                                           <p:stCondLst>
                                             <p:cond delay="0"/>
                                           </p:stCondLst>
@@ -17028,7 +17038,7 @@
                                     </p:set>
                                     <p:animEffect transition="in" filter="fade">
                                       <p:cBhvr>
-                                        <p:cTn id="38" dur="500"/>
+                                        <p:cTn id="35" dur="500"/>
                                         <p:tgtEl>
                                           <p:spTgt spid="52"/>
                                         </p:tgtEl>
@@ -19562,7 +19572,7 @@
           <a:graphicData uri="http://schemas.openxmlformats.org/presentationml/2006/ole">
             <mc:AlternateContent xmlns:mc="http://schemas.openxmlformats.org/markup-compatibility/2006">
               <mc:Choice xmlns:v="urn:schemas-microsoft-com:vml" Requires="v">
-                <p:oleObj spid="_x0000_s27707" name="Equation" r:id="rId4" imgW="736600" imgH="533400" progId="Equation.DSMT4">
+                <p:oleObj spid="_x0000_s27710" name="Equation" r:id="rId4" imgW="736600" imgH="533400" progId="Equation.DSMT4">
                   <p:embed/>
                 </p:oleObj>
               </mc:Choice>
@@ -25139,7 +25149,7 @@
           <a:graphicData uri="http://schemas.openxmlformats.org/presentationml/2006/ole">
             <mc:AlternateContent xmlns:mc="http://schemas.openxmlformats.org/markup-compatibility/2006">
               <mc:Choice xmlns:v="urn:schemas-microsoft-com:vml" Requires="v">
-                <p:oleObj spid="_x0000_s31803" name="Equation" r:id="rId4" imgW="736600" imgH="533400" progId="Equation.DSMT4">
+                <p:oleObj spid="_x0000_s31806" name="Equation" r:id="rId4" imgW="736600" imgH="533400" progId="Equation.DSMT4">
                   <p:embed/>
                 </p:oleObj>
               </mc:Choice>
@@ -26968,7 +26978,7 @@
           <a:graphicData uri="http://schemas.openxmlformats.org/presentationml/2006/ole">
             <mc:AlternateContent xmlns:mc="http://schemas.openxmlformats.org/markup-compatibility/2006">
               <mc:Choice xmlns:v="urn:schemas-microsoft-com:vml" Requires="v">
-                <p:oleObj spid="_x0000_s100411" name="Equation" r:id="rId4" imgW="736600" imgH="533400" progId="Equation.DSMT4">
+                <p:oleObj spid="_x0000_s100414" name="Equation" r:id="rId4" imgW="736600" imgH="533400" progId="Equation.DSMT4">
                   <p:embed/>
                 </p:oleObj>
               </mc:Choice>
@@ -28810,7 +28820,7 @@
           <a:graphicData uri="http://schemas.openxmlformats.org/presentationml/2006/ole">
             <mc:AlternateContent xmlns:mc="http://schemas.openxmlformats.org/markup-compatibility/2006">
               <mc:Choice xmlns:v="urn:schemas-microsoft-com:vml" Requires="v">
-                <p:oleObj spid="_x0000_s162876" name="Equation" r:id="rId4" imgW="736600" imgH="533400" progId="Equation.DSMT4">
+                <p:oleObj spid="_x0000_s162879" name="Equation" r:id="rId4" imgW="736600" imgH="533400" progId="Equation.DSMT4">
                   <p:embed/>
                 </p:oleObj>
               </mc:Choice>
@@ -30979,7 +30989,7 @@
           <a:graphicData uri="http://schemas.openxmlformats.org/presentationml/2006/ole">
             <mc:AlternateContent xmlns:mc="http://schemas.openxmlformats.org/markup-compatibility/2006">
               <mc:Choice xmlns:v="urn:schemas-microsoft-com:vml" Requires="v">
-                <p:oleObj spid="_x0000_s102459" name="Equation" r:id="rId4" imgW="901700" imgH="533400" progId="Equation.DSMT4">
+                <p:oleObj spid="_x0000_s102462" name="Equation" r:id="rId4" imgW="901700" imgH="533400" progId="Equation.DSMT4">
                   <p:embed/>
                 </p:oleObj>
               </mc:Choice>

--- a/fall13/slidesF13/stationary-distribution.pptx
+++ b/fall13/slidesF13/stationary-distribution.pptx
@@ -6209,15 +6209,7 @@
                   <a:srgbClr val="FF00FF"/>
                 </a:solidFill>
               </a:rPr>
-              <a:t>edge probability </a:t>
-            </a:r>
-            <a:r>
-              <a:rPr lang="en-US" sz="4400" dirty="0" smtClean="0">
-                <a:solidFill>
-                  <a:srgbClr val="FF00FF"/>
-                </a:solidFill>
-              </a:rPr>
-              <a:t>matrix</a:t>
+              <a:t>edge probability matrix</a:t>
             </a:r>
             <a:endParaRPr lang="en-US" sz="4400" dirty="0" smtClean="0">
               <a:solidFill>
@@ -6231,19 +6223,7 @@
             </a:pPr>
             <a:r>
               <a:rPr lang="en-US" sz="4400" dirty="0" smtClean="0"/>
-              <a:t>for </a:t>
-            </a:r>
-            <a:r>
-              <a:rPr lang="en-US" sz="4400" dirty="0" smtClean="0"/>
-              <a:t>a </a:t>
-            </a:r>
-            <a:r>
-              <a:rPr lang="en-US" sz="4400" dirty="0" smtClean="0"/>
-              <a:t>random walk graph </a:t>
-            </a:r>
-            <a:r>
-              <a:rPr lang="en-US" sz="4400" dirty="0" smtClean="0"/>
-              <a:t>is the</a:t>
+              <a:t>for a random walk graph is the</a:t>
             </a:r>
           </a:p>
           <a:p>
@@ -6471,15 +6451,7 @@
                   <a:srgbClr val="FF00FF"/>
                 </a:solidFill>
               </a:rPr>
-              <a:t>edge </a:t>
-            </a:r>
-            <a:r>
-              <a:rPr lang="en-US" sz="4400" dirty="0" smtClean="0">
-                <a:solidFill>
-                  <a:srgbClr val="FF00FF"/>
-                </a:solidFill>
-              </a:rPr>
-              <a:t>probability matrix </a:t>
+              <a:t>edge probability matrix </a:t>
             </a:r>
             <a:r>
               <a:rPr lang="en-US" sz="4400" dirty="0" smtClean="0">
@@ -6556,13 +6528,6 @@
               </a:rPr>
               <a:t> </a:t>
             </a:r>
-            <a:endParaRPr lang="en-US" sz="4400" b="1" dirty="0" smtClean="0">
-              <a:solidFill>
-                <a:srgbClr val="0000FF"/>
-              </a:solidFill>
-              <a:latin typeface="Euclid Symbol" charset="2"/>
-              <a:cs typeface="Euclid Symbol" charset="2"/>
-            </a:endParaRPr>
           </a:p>
           <a:p>
             <a:pPr marL="0" indent="0">
@@ -6724,7 +6689,7 @@
           <a:graphicData uri="http://schemas.openxmlformats.org/presentationml/2006/ole">
             <mc:AlternateContent xmlns:mc="http://schemas.openxmlformats.org/markup-compatibility/2006">
               <mc:Choice xmlns:v="urn:schemas-microsoft-com:vml" Requires="v">
-                <p:oleObj spid="_x0000_s176133" name="Equation" r:id="rId3" imgW="1282700" imgH="292100" progId="Equation.DSMT4">
+                <p:oleObj spid="_x0000_s176136" name="Equation" r:id="rId3" imgW="1282700" imgH="292100" progId="Equation.DSMT4">
                   <p:embed/>
                 </p:oleObj>
               </mc:Choice>
@@ -6995,7 +6960,7 @@
           <a:graphicData uri="http://schemas.openxmlformats.org/presentationml/2006/ole">
             <mc:AlternateContent xmlns:mc="http://schemas.openxmlformats.org/markup-compatibility/2006">
               <mc:Choice xmlns:v="urn:schemas-microsoft-com:vml" Requires="v">
-                <p:oleObj spid="_x0000_s174091" name="Equation" r:id="rId3" imgW="1879600" imgH="914400" progId="Equation.DSMT4">
+                <p:oleObj spid="_x0000_s174094" name="Equation" r:id="rId3" imgW="1879600" imgH="914400" progId="Equation.DSMT4">
                   <p:embed/>
                 </p:oleObj>
               </mc:Choice>
@@ -7266,7 +7231,7 @@
           <a:graphicData uri="http://schemas.openxmlformats.org/presentationml/2006/ole">
             <mc:AlternateContent xmlns:mc="http://schemas.openxmlformats.org/markup-compatibility/2006">
               <mc:Choice xmlns:v="urn:schemas-microsoft-com:vml" Requires="v">
-                <p:oleObj spid="_x0000_s169996" name="Equation" r:id="rId4" imgW="2895600" imgH="990600" progId="Equation.DSMT4">
+                <p:oleObj spid="_x0000_s169999" name="Equation" r:id="rId4" imgW="2895600" imgH="990600" progId="Equation.DSMT4">
                   <p:embed/>
                 </p:oleObj>
               </mc:Choice>
@@ -7528,7 +7493,7 @@
           <a:graphicData uri="http://schemas.openxmlformats.org/presentationml/2006/ole">
             <mc:AlternateContent xmlns:mc="http://schemas.openxmlformats.org/markup-compatibility/2006">
               <mc:Choice xmlns:v="urn:schemas-microsoft-com:vml" Requires="v">
-                <p:oleObj spid="_x0000_s173067" name="Equation" r:id="rId4" imgW="2895600" imgH="965200" progId="Equation.DSMT4">
+                <p:oleObj spid="_x0000_s173070" name="Equation" r:id="rId4" imgW="2895600" imgH="965200" progId="Equation.DSMT4">
                   <p:embed/>
                 </p:oleObj>
               </mc:Choice>
@@ -7573,13 +7538,13 @@
   <p:clrMapOvr>
     <a:masterClrMapping/>
   </p:clrMapOvr>
-  <mc:AlternateContent xmlns:mc="http://schemas.openxmlformats.org/markup-compatibility/2006">
-    <mc:Choice xmlns:p14="http://schemas.microsoft.com/office/powerpoint/2010/main" Requires="p14">
+  <mc:AlternateContent xmlns:mc="http://schemas.openxmlformats.org/markup-compatibility/2006" xmlns:p14="http://schemas.microsoft.com/office/powerpoint/2010/main">
+    <mc:Choice Requires="p14">
       <p:transition spd="med" p14:dur="700" advClick="0">
         <p:fade/>
       </p:transition>
     </mc:Choice>
-    <mc:Fallback>
+    <mc:Fallback xmlns="">
       <p:transition xmlns:p14="http://schemas.microsoft.com/office/powerpoint/2010/main" spd="med" advClick="0">
         <p:fade/>
       </p:transition>
@@ -7799,7 +7764,7 @@
           <a:graphicData uri="http://schemas.openxmlformats.org/presentationml/2006/ole">
             <mc:AlternateContent xmlns:mc="http://schemas.openxmlformats.org/markup-compatibility/2006">
               <mc:Choice xmlns:v="urn:schemas-microsoft-com:vml" Requires="v">
-                <p:oleObj spid="_x0000_s165913" name="Equation" r:id="rId3" imgW="2044700" imgH="863600" progId="Equation.DSMT4">
+                <p:oleObj spid="_x0000_s165916" name="Equation" r:id="rId3" imgW="2044700" imgH="863600" progId="Equation.DSMT4">
                   <p:embed/>
                 </p:oleObj>
               </mc:Choice>
@@ -8070,7 +8035,7 @@
           <a:graphicData uri="http://schemas.openxmlformats.org/presentationml/2006/ole">
             <mc:AlternateContent xmlns:mc="http://schemas.openxmlformats.org/markup-compatibility/2006">
               <mc:Choice xmlns:v="urn:schemas-microsoft-com:vml" Requires="v">
-                <p:oleObj spid="_x0000_s166936" name="Equation" r:id="rId4" imgW="2044700" imgH="736600" progId="Equation.DSMT4">
+                <p:oleObj spid="_x0000_s166939" name="Equation" r:id="rId4" imgW="2044700" imgH="736600" progId="Equation.DSMT4">
                   <p:embed/>
                 </p:oleObj>
               </mc:Choice>
@@ -8342,7 +8307,7 @@
           <a:graphicData uri="http://schemas.openxmlformats.org/presentationml/2006/ole">
             <mc:AlternateContent xmlns:mc="http://schemas.openxmlformats.org/markup-compatibility/2006">
               <mc:Choice xmlns:v="urn:schemas-microsoft-com:vml" Requires="v">
-                <p:oleObj spid="_x0000_s167963" name="Equation" r:id="rId4" imgW="1282700" imgH="558800" progId="Equation.DSMT4">
+                <p:oleObj spid="_x0000_s167966" name="Equation" r:id="rId4" imgW="1282700" imgH="558800" progId="Equation.DSMT4">
                   <p:embed/>
                 </p:oleObj>
               </mc:Choice>
@@ -12045,7 +12010,7 @@
           <a:graphicData uri="http://schemas.openxmlformats.org/presentationml/2006/ole">
             <mc:AlternateContent xmlns:mc="http://schemas.openxmlformats.org/markup-compatibility/2006">
               <mc:Choice xmlns:v="urn:schemas-microsoft-com:vml" Requires="v">
-                <p:oleObj spid="_x0000_s1049" name="Equation" r:id="rId4" imgW="1676400" imgH="635000" progId="Equation.DSMT4">
+                <p:oleObj spid="_x0000_s1052" name="Equation" r:id="rId4" imgW="1676400" imgH="635000" progId="Equation.DSMT4">
                   <p:embed/>
                 </p:oleObj>
               </mc:Choice>
@@ -15196,7 +15161,7 @@
           <a:graphicData uri="http://schemas.openxmlformats.org/presentationml/2006/ole">
             <mc:AlternateContent xmlns:mc="http://schemas.openxmlformats.org/markup-compatibility/2006">
               <mc:Choice xmlns:v="urn:schemas-microsoft-com:vml" Requires="v">
-                <p:oleObj spid="_x0000_s114762" name="Equation" r:id="rId4" imgW="914400" imgH="533400" progId="Equation.DSMT4">
+                <p:oleObj spid="_x0000_s114765" name="Equation" r:id="rId4" imgW="914400" imgH="533400" progId="Equation.DSMT4">
                   <p:embed/>
                 </p:oleObj>
               </mc:Choice>
@@ -16221,146 +16186,6 @@
           <a:chExt cx="0" cy="0"/>
         </a:xfrm>
       </p:grpSpPr>
-      <p:grpSp>
-        <p:nvGrpSpPr>
-          <p:cNvPr id="10" name="Group 9"/>
-          <p:cNvGrpSpPr/>
-          <p:nvPr/>
-        </p:nvGrpSpPr>
-        <p:grpSpPr>
-          <a:xfrm>
-            <a:off x="2971800" y="3962400"/>
-            <a:ext cx="2687671" cy="1015663"/>
-            <a:chOff x="3810000" y="3962400"/>
-            <a:chExt cx="2687671" cy="1015663"/>
-          </a:xfrm>
-        </p:grpSpPr>
-        <p:sp>
-          <p:nvSpPr>
-            <p:cNvPr id="31" name="TextBox 30"/>
-            <p:cNvSpPr txBox="1"/>
-            <p:nvPr/>
-          </p:nvSpPr>
-          <p:spPr>
-            <a:xfrm>
-              <a:off x="3810000" y="3962400"/>
-              <a:ext cx="2687671" cy="1015663"/>
-            </a:xfrm>
-            <a:prstGeom prst="rect">
-              <a:avLst/>
-            </a:prstGeom>
-            <a:noFill/>
-          </p:spPr>
-          <p:txBody>
-            <a:bodyPr wrap="none" rtlCol="0">
-              <a:spAutoFit/>
-            </a:bodyPr>
-            <a:lstStyle/>
-            <a:p>
-              <a:r>
-                <a:rPr lang="en-US" sz="5400" dirty="0" smtClean="0">
-                  <a:solidFill>
-                    <a:srgbClr val="0000FF"/>
-                  </a:solidFill>
-                </a:rPr>
-                <a:t>|</a:t>
-              </a:r>
-              <a:r>
-                <a:rPr lang="en-US" sz="3200" baseline="-25000" dirty="0" smtClean="0">
-                  <a:solidFill>
-                    <a:srgbClr val="0000FF"/>
-                  </a:solidFill>
-                </a:rPr>
-                <a:t> </a:t>
-              </a:r>
-              <a:r>
-                <a:rPr lang="en-US" sz="5400" b="1" dirty="0" smtClean="0">
-                  <a:solidFill>
-                    <a:srgbClr val="0000FF"/>
-                  </a:solidFill>
-                </a:rPr>
-                <a:t>s</a:t>
-              </a:r>
-              <a:r>
-                <a:rPr lang="en-US" sz="3200" b="1" baseline="-25000" dirty="0" smtClean="0">
-                  <a:solidFill>
-                    <a:srgbClr val="0000FF"/>
-                  </a:solidFill>
-                </a:rPr>
-                <a:t> </a:t>
-              </a:r>
-              <a:r>
-                <a:rPr lang="en-US" sz="5400" dirty="0" smtClean="0">
-                  <a:solidFill>
-                    <a:srgbClr val="0000FF"/>
-                  </a:solidFill>
-                </a:rPr>
-                <a:t>| </a:t>
-              </a:r>
-              <a:r>
-                <a:rPr lang="en-US" sz="6000" b="1" dirty="0" smtClean="0">
-                  <a:solidFill>
-                    <a:srgbClr val="0000FF"/>
-                  </a:solidFill>
-                  <a:latin typeface="Euclid Symbol" charset="2"/>
-                  <a:cs typeface="Euclid Symbol" charset="2"/>
-                </a:rPr>
-                <a:t>=</a:t>
-              </a:r>
-              <a:r>
-                <a:rPr lang="en-US" sz="6000" dirty="0" smtClean="0">
-                  <a:solidFill>
-                    <a:srgbClr val="0000FF"/>
-                  </a:solidFill>
-                </a:rPr>
-                <a:t> </a:t>
-              </a:r>
-              <a:r>
-                <a:rPr lang="en-US" sz="6000" dirty="0">
-                  <a:solidFill>
-                    <a:srgbClr val="0000FF"/>
-                  </a:solidFill>
-                </a:rPr>
-                <a:t>1</a:t>
-              </a:r>
-              <a:endParaRPr lang="en-US" sz="4800" dirty="0">
-                <a:solidFill>
-                  <a:srgbClr val="0000FF"/>
-                </a:solidFill>
-              </a:endParaRPr>
-            </a:p>
-          </p:txBody>
-        </p:sp>
-        <p:cxnSp>
-          <p:nvCxnSpPr>
-            <p:cNvPr id="32" name="Straight Arrow Connector 31"/>
-            <p:cNvCxnSpPr/>
-            <p:nvPr/>
-          </p:nvCxnSpPr>
-          <p:spPr bwMode="auto">
-            <a:xfrm>
-              <a:off x="4267200" y="4267200"/>
-              <a:ext cx="381000" cy="0"/>
-            </a:xfrm>
-            <a:prstGeom prst="straightConnector1">
-              <a:avLst/>
-            </a:prstGeom>
-            <a:solidFill>
-              <a:schemeClr val="accent1"/>
-            </a:solidFill>
-            <a:ln w="38100" cap="flat" cmpd="sng" algn="ctr">
-              <a:solidFill>
-                <a:srgbClr val="0000FF"/>
-              </a:solidFill>
-              <a:prstDash val="solid"/>
-              <a:round/>
-              <a:headEnd type="none" w="med" len="med"/>
-              <a:tailEnd type="arrow" w="sm" len="sm"/>
-            </a:ln>
-            <a:effectLst/>
-          </p:spPr>
-        </p:cxnSp>
-      </p:grpSp>
       <p:sp>
         <p:nvSpPr>
           <p:cNvPr id="3" name="Content Placeholder 2"/>
@@ -16793,6 +16618,104 @@
           </p:spPr>
         </p:cxnSp>
       </p:grpSp>
+      <p:sp>
+        <p:nvSpPr>
+          <p:cNvPr id="20" name="TextBox 19"/>
+          <p:cNvSpPr txBox="1"/>
+          <p:nvPr/>
+        </p:nvSpPr>
+        <p:spPr>
+          <a:xfrm>
+            <a:off x="2895600" y="4343400"/>
+            <a:ext cx="3045731" cy="1107996"/>
+          </a:xfrm>
+          <a:prstGeom prst="rect">
+            <a:avLst/>
+          </a:prstGeom>
+          <a:noFill/>
+        </p:spPr>
+        <p:txBody>
+          <a:bodyPr wrap="square" rtlCol="0">
+            <a:spAutoFit/>
+          </a:bodyPr>
+          <a:lstStyle/>
+          <a:p>
+            <a:r>
+              <a:rPr lang="en-US" sz="6000" b="1" dirty="0" smtClean="0">
+                <a:solidFill>
+                  <a:srgbClr val="0000FF"/>
+                </a:solidFill>
+                <a:latin typeface="AbadiMT-CondensedExtraBold"/>
+              </a:rPr>
+              <a:t>∑</a:t>
+            </a:r>
+            <a:r>
+              <a:rPr lang="en-US" sz="6000" b="1" baseline="-25000" dirty="0" smtClean="0">
+                <a:solidFill>
+                  <a:srgbClr val="0000FF"/>
+                </a:solidFill>
+                <a:latin typeface="AbadiMT-CondensedExtraBold"/>
+              </a:rPr>
+              <a:t> </a:t>
+            </a:r>
+            <a:r>
+              <a:rPr lang="en-US" sz="6000" dirty="0" err="1" smtClean="0">
+                <a:solidFill>
+                  <a:srgbClr val="0000FF"/>
+                </a:solidFill>
+              </a:rPr>
+              <a:t>s</a:t>
+            </a:r>
+            <a:r>
+              <a:rPr lang="en-US" sz="6000" b="1" baseline="-25000" dirty="0" err="1" smtClean="0">
+                <a:solidFill>
+                  <a:srgbClr val="0000FF"/>
+                </a:solidFill>
+              </a:rPr>
+              <a:t>i</a:t>
+            </a:r>
+            <a:r>
+              <a:rPr lang="en-US" sz="3200" b="1" baseline="-25000" dirty="0" smtClean="0">
+                <a:solidFill>
+                  <a:srgbClr val="0000FF"/>
+                </a:solidFill>
+              </a:rPr>
+              <a:t> </a:t>
+            </a:r>
+            <a:r>
+              <a:rPr lang="en-US" sz="5400" dirty="0" smtClean="0">
+                <a:solidFill>
+                  <a:srgbClr val="0000FF"/>
+                </a:solidFill>
+              </a:rPr>
+              <a:t> </a:t>
+            </a:r>
+            <a:r>
+              <a:rPr lang="en-US" sz="6600" b="1" dirty="0" smtClean="0">
+                <a:solidFill>
+                  <a:srgbClr val="0000FF"/>
+                </a:solidFill>
+                <a:latin typeface="Euclid Symbol" charset="2"/>
+                <a:cs typeface="Euclid Symbol" charset="2"/>
+              </a:rPr>
+              <a:t>=</a:t>
+            </a:r>
+            <a:r>
+              <a:rPr lang="en-US" sz="6000" dirty="0" smtClean="0">
+                <a:solidFill>
+                  <a:srgbClr val="0000FF"/>
+                </a:solidFill>
+              </a:rPr>
+              <a:t> 1</a:t>
+            </a:r>
+            <a:endParaRPr lang="en-US" sz="4800" dirty="0">
+              <a:solidFill>
+                <a:srgbClr val="0000FF"/>
+              </a:solidFill>
+            </a:endParaRPr>
+          </a:p>
+        </p:txBody>
+      </p:sp>
     </p:spTree>
     <p:extLst>
       <p:ext uri="{BB962C8B-B14F-4D97-AF65-F5344CB8AC3E}">
@@ -17028,7 +16951,7 @@
                             </p:stCondLst>
                             <p:childTnLst>
                               <p:par>
-                                <p:cTn id="22" presetID="22" presetClass="entr" presetSubtype="8" fill="hold" nodeType="clickEffect">
+                                <p:cTn id="22" presetID="22" presetClass="entr" presetSubtype="8" fill="hold" grpId="0" nodeType="clickEffect">
                                   <p:stCondLst>
                                     <p:cond delay="0"/>
                                   </p:stCondLst>
@@ -17041,7 +16964,7 @@
                                           </p:stCondLst>
                                         </p:cTn>
                                         <p:tgtEl>
-                                          <p:spTgt spid="10"/>
+                                          <p:spTgt spid="20"/>
                                         </p:tgtEl>
                                         <p:attrNameLst>
                                           <p:attrName>style.visibility</p:attrName>
@@ -17055,7 +16978,7 @@
                                       <p:cBhvr>
                                         <p:cTn id="24" dur="1000"/>
                                         <p:tgtEl>
-                                          <p:spTgt spid="10"/>
+                                          <p:spTgt spid="20"/>
                                         </p:tgtEl>
                                       </p:cBhvr>
                                     </p:animEffect>
@@ -17089,6 +17012,9 @@
         </p:cTn>
       </p:par>
     </p:tnLst>
+    <p:bldLst>
+      <p:bldP spid="20" grpId="0"/>
+    </p:bldLst>
   </p:timing>
 </p:sld>
 </file>
@@ -21386,7 +21312,7 @@
           <a:graphicData uri="http://schemas.openxmlformats.org/presentationml/2006/ole">
             <mc:AlternateContent xmlns:mc="http://schemas.openxmlformats.org/markup-compatibility/2006">
               <mc:Choice xmlns:v="urn:schemas-microsoft-com:vml" Requires="v">
-                <p:oleObj spid="_x0000_s27723" name="Equation" r:id="rId4" imgW="736600" imgH="533400" progId="Equation.DSMT4">
+                <p:oleObj spid="_x0000_s27726" name="Equation" r:id="rId4" imgW="736600" imgH="533400" progId="Equation.DSMT4">
                   <p:embed/>
                 </p:oleObj>
               </mc:Choice>
@@ -27011,7 +26937,7 @@
           <a:graphicData uri="http://schemas.openxmlformats.org/presentationml/2006/ole">
             <mc:AlternateContent xmlns:mc="http://schemas.openxmlformats.org/markup-compatibility/2006">
               <mc:Choice xmlns:v="urn:schemas-microsoft-com:vml" Requires="v">
-                <p:oleObj spid="_x0000_s31818" name="Equation" r:id="rId4" imgW="736600" imgH="533400" progId="Equation.DSMT4">
+                <p:oleObj spid="_x0000_s31821" name="Equation" r:id="rId4" imgW="736600" imgH="533400" progId="Equation.DSMT4">
                   <p:embed/>
                 </p:oleObj>
               </mc:Choice>
@@ -28840,7 +28766,7 @@
           <a:graphicData uri="http://schemas.openxmlformats.org/presentationml/2006/ole">
             <mc:AlternateContent xmlns:mc="http://schemas.openxmlformats.org/markup-compatibility/2006">
               <mc:Choice xmlns:v="urn:schemas-microsoft-com:vml" Requires="v">
-                <p:oleObj spid="_x0000_s100426" name="Equation" r:id="rId4" imgW="736600" imgH="533400" progId="Equation.DSMT4">
+                <p:oleObj spid="_x0000_s100429" name="Equation" r:id="rId4" imgW="736600" imgH="533400" progId="Equation.DSMT4">
                   <p:embed/>
                 </p:oleObj>
               </mc:Choice>
@@ -30682,7 +30608,7 @@
           <a:graphicData uri="http://schemas.openxmlformats.org/presentationml/2006/ole">
             <mc:AlternateContent xmlns:mc="http://schemas.openxmlformats.org/markup-compatibility/2006">
               <mc:Choice xmlns:v="urn:schemas-microsoft-com:vml" Requires="v">
-                <p:oleObj spid="_x0000_s162891" name="Equation" r:id="rId4" imgW="736600" imgH="533400" progId="Equation.DSMT4">
+                <p:oleObj spid="_x0000_s162894" name="Equation" r:id="rId4" imgW="736600" imgH="533400" progId="Equation.DSMT4">
                   <p:embed/>
                 </p:oleObj>
               </mc:Choice>
@@ -32851,7 +32777,7 @@
           <a:graphicData uri="http://schemas.openxmlformats.org/presentationml/2006/ole">
             <mc:AlternateContent xmlns:mc="http://schemas.openxmlformats.org/markup-compatibility/2006">
               <mc:Choice xmlns:v="urn:schemas-microsoft-com:vml" Requires="v">
-                <p:oleObj spid="_x0000_s102475" name="Equation" r:id="rId4" imgW="901700" imgH="533400" progId="Equation.DSMT4">
+                <p:oleObj spid="_x0000_s102478" name="Equation" r:id="rId4" imgW="901700" imgH="533400" progId="Equation.DSMT4">
                   <p:embed/>
                 </p:oleObj>
               </mc:Choice>
